--- a/Documentation/SOEN341_Group3.pptx
+++ b/Documentation/SOEN341_Group3.pptx
@@ -8,28 +8,29 @@
     <p:sldId id="256" r:id="rId2"/>
     <p:sldId id="266" r:id="rId3"/>
     <p:sldId id="273" r:id="rId4"/>
-    <p:sldId id="274" r:id="rId5"/>
-    <p:sldId id="278" r:id="rId6"/>
-    <p:sldId id="275" r:id="rId7"/>
-    <p:sldId id="279" r:id="rId8"/>
-    <p:sldId id="276" r:id="rId9"/>
-    <p:sldId id="277" r:id="rId10"/>
-    <p:sldId id="257" r:id="rId11"/>
-    <p:sldId id="268" r:id="rId12"/>
-    <p:sldId id="267" r:id="rId13"/>
-    <p:sldId id="258" r:id="rId14"/>
-    <p:sldId id="261" r:id="rId15"/>
-    <p:sldId id="280" r:id="rId16"/>
-    <p:sldId id="281" r:id="rId17"/>
-    <p:sldId id="259" r:id="rId18"/>
-    <p:sldId id="262" r:id="rId19"/>
-    <p:sldId id="263" r:id="rId20"/>
-    <p:sldId id="269" r:id="rId21"/>
-    <p:sldId id="270" r:id="rId22"/>
-    <p:sldId id="271" r:id="rId23"/>
-    <p:sldId id="272" r:id="rId24"/>
-    <p:sldId id="264" r:id="rId25"/>
-    <p:sldId id="265" r:id="rId26"/>
+    <p:sldId id="282" r:id="rId5"/>
+    <p:sldId id="274" r:id="rId6"/>
+    <p:sldId id="278" r:id="rId7"/>
+    <p:sldId id="275" r:id="rId8"/>
+    <p:sldId id="279" r:id="rId9"/>
+    <p:sldId id="276" r:id="rId10"/>
+    <p:sldId id="277" r:id="rId11"/>
+    <p:sldId id="257" r:id="rId12"/>
+    <p:sldId id="268" r:id="rId13"/>
+    <p:sldId id="267" r:id="rId14"/>
+    <p:sldId id="258" r:id="rId15"/>
+    <p:sldId id="261" r:id="rId16"/>
+    <p:sldId id="280" r:id="rId17"/>
+    <p:sldId id="281" r:id="rId18"/>
+    <p:sldId id="259" r:id="rId19"/>
+    <p:sldId id="262" r:id="rId20"/>
+    <p:sldId id="263" r:id="rId21"/>
+    <p:sldId id="269" r:id="rId22"/>
+    <p:sldId id="270" r:id="rId23"/>
+    <p:sldId id="271" r:id="rId24"/>
+    <p:sldId id="272" r:id="rId25"/>
+    <p:sldId id="264" r:id="rId26"/>
+    <p:sldId id="265" r:id="rId27"/>
   </p:sldIdLst>
   <p:sldSz cx="12192000" cy="6858000"/>
   <p:notesSz cx="6858000" cy="9144000"/>
@@ -306,7 +307,7 @@
             <a:fld id="{B61BEF0D-F0BB-DE4B-95CE-6DB70DBA9567}" type="datetimeFigureOut">
               <a:rPr lang="en-US" smtClean="0"/>
               <a:pPr/>
-              <a:t>4/15/2017</a:t>
+              <a:t>4/17/2017</a:t>
             </a:fld>
             <a:endParaRPr lang="en-US" dirty="0"/>
           </a:p>
@@ -643,7 +644,7 @@
             <a:fld id="{B61BEF0D-F0BB-DE4B-95CE-6DB70DBA9567}" type="datetimeFigureOut">
               <a:rPr lang="en-US" smtClean="0"/>
               <a:pPr/>
-              <a:t>4/15/2017</a:t>
+              <a:t>4/17/2017</a:t>
             </a:fld>
             <a:endParaRPr lang="en-US" dirty="0"/>
           </a:p>
@@ -825,7 +826,7 @@
             <a:fld id="{B61BEF0D-F0BB-DE4B-95CE-6DB70DBA9567}" type="datetimeFigureOut">
               <a:rPr lang="en-US" smtClean="0"/>
               <a:pPr/>
-              <a:t>4/15/2017</a:t>
+              <a:t>4/17/2017</a:t>
             </a:fld>
             <a:endParaRPr lang="en-US" dirty="0"/>
           </a:p>
@@ -997,7 +998,7 @@
             <a:fld id="{B61BEF0D-F0BB-DE4B-95CE-6DB70DBA9567}" type="datetimeFigureOut">
               <a:rPr lang="en-US" smtClean="0"/>
               <a:pPr/>
-              <a:t>4/15/2017</a:t>
+              <a:t>4/17/2017</a:t>
             </a:fld>
             <a:endParaRPr lang="en-US" dirty="0"/>
           </a:p>
@@ -1276,7 +1277,7 @@
             <a:fld id="{B61BEF0D-F0BB-DE4B-95CE-6DB70DBA9567}" type="datetimeFigureOut">
               <a:rPr lang="en-US" smtClean="0"/>
               <a:pPr/>
-              <a:t>4/15/2017</a:t>
+              <a:t>4/17/2017</a:t>
             </a:fld>
             <a:endParaRPr lang="en-US" dirty="0"/>
           </a:p>
@@ -1672,7 +1673,7 @@
             <a:fld id="{B61BEF0D-F0BB-DE4B-95CE-6DB70DBA9567}" type="datetimeFigureOut">
               <a:rPr lang="en-US" smtClean="0"/>
               <a:pPr/>
-              <a:t>4/15/2017</a:t>
+              <a:t>4/17/2017</a:t>
             </a:fld>
             <a:endParaRPr lang="en-US" dirty="0"/>
           </a:p>
@@ -2151,7 +2152,7 @@
             <a:fld id="{B61BEF0D-F0BB-DE4B-95CE-6DB70DBA9567}" type="datetimeFigureOut">
               <a:rPr lang="en-US" smtClean="0"/>
               <a:pPr/>
-              <a:t>4/15/2017</a:t>
+              <a:t>4/17/2017</a:t>
             </a:fld>
             <a:endParaRPr lang="en-US" dirty="0"/>
           </a:p>
@@ -2271,7 +2272,7 @@
             <a:fld id="{B61BEF0D-F0BB-DE4B-95CE-6DB70DBA9567}" type="datetimeFigureOut">
               <a:rPr lang="en-US" smtClean="0"/>
               <a:pPr/>
-              <a:t>4/15/2017</a:t>
+              <a:t>4/17/2017</a:t>
             </a:fld>
             <a:endParaRPr lang="en-US" dirty="0"/>
           </a:p>
@@ -2368,7 +2369,7 @@
             <a:fld id="{B61BEF0D-F0BB-DE4B-95CE-6DB70DBA9567}" type="datetimeFigureOut">
               <a:rPr lang="en-US" smtClean="0"/>
               <a:pPr/>
-              <a:t>4/15/2017</a:t>
+              <a:t>4/17/2017</a:t>
             </a:fld>
             <a:endParaRPr lang="en-US" dirty="0"/>
           </a:p>
@@ -2721,7 +2722,7 @@
             <a:fld id="{B61BEF0D-F0BB-DE4B-95CE-6DB70DBA9567}" type="datetimeFigureOut">
               <a:rPr lang="en-US" smtClean="0"/>
               <a:pPr/>
-              <a:t>4/15/2017</a:t>
+              <a:t>4/17/2017</a:t>
             </a:fld>
             <a:endParaRPr lang="en-US" dirty="0"/>
           </a:p>
@@ -3116,7 +3117,7 @@
             <a:fld id="{B61BEF0D-F0BB-DE4B-95CE-6DB70DBA9567}" type="datetimeFigureOut">
               <a:rPr lang="en-US" smtClean="0"/>
               <a:pPr/>
-              <a:t>4/15/2017</a:t>
+              <a:t>4/17/2017</a:t>
             </a:fld>
             <a:endParaRPr lang="en-US" dirty="0"/>
           </a:p>
@@ -3396,7 +3397,7 @@
             <a:fld id="{B61BEF0D-F0BB-DE4B-95CE-6DB70DBA9567}" type="datetimeFigureOut">
               <a:rPr lang="en-US" smtClean="0"/>
               <a:pPr/>
-              <a:t>4/15/2017</a:t>
+              <a:t>4/17/2017</a:t>
             </a:fld>
             <a:endParaRPr lang="en-US" dirty="0"/>
           </a:p>
@@ -3995,11 +3996,11 @@
           </a:p>
           <a:p>
             <a:r>
-              <a:rPr lang="en-US" sz="2000" dirty="0">
+              <a:rPr lang="en-US" sz="2000" dirty="0" smtClean="0">
                 <a:latin typeface="Calibri Light" panose="020F0302020204030204" pitchFamily="34" charset="0"/>
                 <a:cs typeface="Calibri Light" panose="020F0302020204030204" pitchFamily="34" charset="0"/>
               </a:rPr>
-              <a:t>Jeff </a:t>
+              <a:t>Jeffery </a:t>
             </a:r>
             <a:r>
               <a:rPr lang="en-US" sz="2000" dirty="0" err="1">
@@ -4065,11 +4066,11 @@
               <a:t> </a:t>
             </a:r>
             <a:r>
-              <a:rPr lang="en-US" sz="2000" dirty="0" err="1">
+              <a:rPr lang="en-US" sz="2000" dirty="0" err="1" smtClean="0">
                 <a:latin typeface="Calibri Light" panose="020F0302020204030204" pitchFamily="34" charset="0"/>
                 <a:cs typeface="Calibri Light" panose="020F0302020204030204" pitchFamily="34" charset="0"/>
               </a:rPr>
-              <a:t>Jazilan</a:t>
+              <a:t>Sait</a:t>
             </a:r>
             <a:endParaRPr lang="en-US" sz="2000" dirty="0">
               <a:latin typeface="Calibri Light" panose="020F0302020204030204" pitchFamily="34" charset="0"/>
@@ -4082,8 +4083,19 @@
                 <a:latin typeface="Calibri Light" panose="020F0302020204030204" pitchFamily="34" charset="0"/>
                 <a:cs typeface="Calibri Light" panose="020F0302020204030204" pitchFamily="34" charset="0"/>
               </a:rPr>
-              <a:t>Yousef Shaker</a:t>
-            </a:r>
+              <a:t>Yousef </a:t>
+            </a:r>
+            <a:r>
+              <a:rPr lang="en-US" sz="2000" dirty="0" smtClean="0">
+                <a:latin typeface="Calibri Light" panose="020F0302020204030204" pitchFamily="34" charset="0"/>
+                <a:cs typeface="Calibri Light" panose="020F0302020204030204" pitchFamily="34" charset="0"/>
+              </a:rPr>
+              <a:t>Abo El Foul</a:t>
+            </a:r>
+            <a:endParaRPr lang="en-US" sz="2000" dirty="0">
+              <a:latin typeface="Calibri Light" panose="020F0302020204030204" pitchFamily="34" charset="0"/>
+              <a:cs typeface="Calibri Light" panose="020F0302020204030204" pitchFamily="34" charset="0"/>
+            </a:endParaRPr>
           </a:p>
         </p:txBody>
       </p:sp>
@@ -4101,6 +4113,82 @@
 </file>
 
 <file path=ppt/slides/slide10.xml><?xml version="1.0" encoding="utf-8"?>
+<p:sld xmlns:a="http://schemas.openxmlformats.org/drawingml/2006/main" xmlns:r="http://schemas.openxmlformats.org/officeDocument/2006/relationships" xmlns:p="http://schemas.openxmlformats.org/presentationml/2006/main">
+  <p:cSld>
+    <p:spTree>
+      <p:nvGrpSpPr>
+        <p:cNvPr id="1" name=""/>
+        <p:cNvGrpSpPr/>
+        <p:nvPr/>
+      </p:nvGrpSpPr>
+      <p:grpSpPr>
+        <a:xfrm>
+          <a:off x="0" y="0"/>
+          <a:ext cx="0" cy="0"/>
+          <a:chOff x="0" y="0"/>
+          <a:chExt cx="0" cy="0"/>
+        </a:xfrm>
+      </p:grpSpPr>
+      <p:sp>
+        <p:nvSpPr>
+          <p:cNvPr id="2" name="Title 1"/>
+          <p:cNvSpPr>
+            <a:spLocks noGrp="1"/>
+          </p:cNvSpPr>
+          <p:nvPr>
+            <p:ph type="title"/>
+          </p:nvPr>
+        </p:nvSpPr>
+        <p:spPr/>
+        <p:txBody>
+          <a:bodyPr/>
+          <a:lstStyle/>
+          <a:p>
+            <a:r>
+              <a:rPr lang="en-US" dirty="0"/>
+              <a:t>Upload files to your group</a:t>
+            </a:r>
+          </a:p>
+        </p:txBody>
+      </p:sp>
+      <p:pic>
+        <p:nvPicPr>
+          <p:cNvPr id="5" name="Picture 4"/>
+          <p:cNvPicPr>
+            <a:picLocks noChangeAspect="1"/>
+          </p:cNvPicPr>
+          <p:nvPr/>
+        </p:nvPicPr>
+        <p:blipFill>
+          <a:blip r:embed="rId2"/>
+          <a:stretch>
+            <a:fillRect/>
+          </a:stretch>
+        </p:blipFill>
+        <p:spPr>
+          <a:xfrm>
+            <a:off x="2452687" y="1919287"/>
+            <a:ext cx="7286625" cy="3019425"/>
+          </a:xfrm>
+          <a:prstGeom prst="rect">
+            <a:avLst/>
+          </a:prstGeom>
+        </p:spPr>
+      </p:pic>
+    </p:spTree>
+    <p:extLst>
+      <p:ext uri="{BB962C8B-B14F-4D97-AF65-F5344CB8AC3E}">
+        <p14:creationId xmlns:p14="http://schemas.microsoft.com/office/powerpoint/2010/main" val="3272073037"/>
+      </p:ext>
+    </p:extLst>
+  </p:cSld>
+  <p:clrMapOvr>
+    <a:masterClrMapping/>
+  </p:clrMapOvr>
+</p:sld>
+</file>
+
+<file path=ppt/slides/slide11.xml><?xml version="1.0" encoding="utf-8"?>
 <p:sld xmlns:a="http://schemas.openxmlformats.org/drawingml/2006/main" xmlns:r="http://schemas.openxmlformats.org/officeDocument/2006/relationships" xmlns:p="http://schemas.openxmlformats.org/presentationml/2006/main">
   <p:cSld>
     <p:spTree>
@@ -4284,15 +4372,7 @@
               <a:srgbClr val="FFFFFF"/>
             </a:contourClr>
           </a:sp3d>
-          <a:extLst>
-            <a:ext uri="{909E8E84-426E-40DD-AFC4-6F175D3DCCD1}">
-              <a14:hiddenFill xmlns:a14="http://schemas.microsoft.com/office/drawing/2010/main">
-                <a:solidFill>
-                  <a:srgbClr val="FFFFFF"/>
-                </a:solidFill>
-              </a14:hiddenFill>
-            </a:ext>
-          </a:extLst>
+          <a:extLst/>
         </p:spPr>
       </p:pic>
       <p:pic>
@@ -4375,160 +4455,6 @@
     <p:extLst>
       <p:ext uri="{BB962C8B-B14F-4D97-AF65-F5344CB8AC3E}">
         <p14:creationId xmlns:p14="http://schemas.microsoft.com/office/powerpoint/2010/main" val="4011391741"/>
-      </p:ext>
-    </p:extLst>
-  </p:cSld>
-  <p:clrMapOvr>
-    <a:masterClrMapping/>
-  </p:clrMapOvr>
-</p:sld>
-</file>
-
-<file path=ppt/slides/slide11.xml><?xml version="1.0" encoding="utf-8"?>
-<p:sld xmlns:a="http://schemas.openxmlformats.org/drawingml/2006/main" xmlns:r="http://schemas.openxmlformats.org/officeDocument/2006/relationships" xmlns:p="http://schemas.openxmlformats.org/presentationml/2006/main">
-  <p:cSld>
-    <p:spTree>
-      <p:nvGrpSpPr>
-        <p:cNvPr id="1" name=""/>
-        <p:cNvGrpSpPr/>
-        <p:nvPr/>
-      </p:nvGrpSpPr>
-      <p:grpSpPr>
-        <a:xfrm>
-          <a:off x="0" y="0"/>
-          <a:ext cx="0" cy="0"/>
-          <a:chOff x="0" y="0"/>
-          <a:chExt cx="0" cy="0"/>
-        </a:xfrm>
-      </p:grpSpPr>
-      <p:sp>
-        <p:nvSpPr>
-          <p:cNvPr id="2" name="Title 1"/>
-          <p:cNvSpPr>
-            <a:spLocks noGrp="1"/>
-          </p:cNvSpPr>
-          <p:nvPr>
-            <p:ph type="title"/>
-          </p:nvPr>
-        </p:nvSpPr>
-        <p:spPr/>
-        <p:txBody>
-          <a:bodyPr/>
-          <a:lstStyle/>
-          <a:p>
-            <a:r>
-              <a:rPr lang="en-US" dirty="0"/>
-              <a:t>Why do we need </a:t>
-            </a:r>
-            <a:r>
-              <a:rPr lang="en-US" dirty="0" err="1"/>
-              <a:t>Gitclass</a:t>
-            </a:r>
-            <a:endParaRPr lang="en-US" dirty="0"/>
-          </a:p>
-        </p:txBody>
-      </p:sp>
-      <p:sp>
-        <p:nvSpPr>
-          <p:cNvPr id="3" name="Content Placeholder 2"/>
-          <p:cNvSpPr>
-            <a:spLocks noGrp="1"/>
-          </p:cNvSpPr>
-          <p:nvPr>
-            <p:ph idx="1"/>
-          </p:nvPr>
-        </p:nvSpPr>
-        <p:spPr/>
-        <p:txBody>
-          <a:bodyPr/>
-          <a:lstStyle/>
-          <a:p>
-            <a:pPr fontAlgn="base"/>
-            <a:r>
-              <a:rPr lang="en-CA" dirty="0"/>
-              <a:t>Organize and Supervise groups</a:t>
-            </a:r>
-          </a:p>
-          <a:p>
-            <a:pPr fontAlgn="base"/>
-            <a:r>
-              <a:rPr lang="en-CA" dirty="0"/>
-              <a:t>Easy and Efficient Interactions</a:t>
-            </a:r>
-          </a:p>
-          <a:p>
-            <a:pPr fontAlgn="base"/>
-            <a:r>
-              <a:rPr lang="en-CA" dirty="0"/>
-              <a:t>Increase of interactions</a:t>
-            </a:r>
-          </a:p>
-          <a:p>
-            <a:pPr fontAlgn="base"/>
-            <a:endParaRPr lang="en-CA" dirty="0"/>
-          </a:p>
-          <a:p>
-            <a:r>
-              <a:rPr lang="en-US" dirty="0"/>
-              <a:t>Safe and Secure!</a:t>
-            </a:r>
-          </a:p>
-          <a:p>
-            <a:pPr marL="0" indent="0">
-              <a:buNone/>
-            </a:pPr>
-            <a:r>
-              <a:rPr lang="en-US" dirty="0"/>
-              <a:t>Only authorized TAs can make changes.</a:t>
-            </a:r>
-          </a:p>
-          <a:p>
-            <a:endParaRPr lang="en-US" dirty="0"/>
-          </a:p>
-        </p:txBody>
-      </p:sp>
-      <p:pic>
-        <p:nvPicPr>
-          <p:cNvPr id="4" name="Picture 3"/>
-          <p:cNvPicPr>
-            <a:picLocks noChangeAspect="1"/>
-          </p:cNvPicPr>
-          <p:nvPr/>
-        </p:nvPicPr>
-        <p:blipFill>
-          <a:blip r:embed="rId2"/>
-          <a:stretch>
-            <a:fillRect/>
-          </a:stretch>
-        </p:blipFill>
-        <p:spPr>
-          <a:xfrm>
-            <a:off x="6290641" y="2171700"/>
-            <a:ext cx="3577590" cy="2333211"/>
-          </a:xfrm>
-          <a:prstGeom prst="rect">
-            <a:avLst/>
-          </a:prstGeom>
-          <a:ln w="38100" cap="sq">
-            <a:solidFill>
-              <a:srgbClr val="000000"/>
-            </a:solidFill>
-            <a:prstDash val="solid"/>
-            <a:miter lim="800000"/>
-          </a:ln>
-          <a:effectLst>
-            <a:outerShdw blurRad="50800" dist="38100" dir="2700000" algn="tl" rotWithShape="0">
-              <a:srgbClr val="000000">
-                <a:alpha val="43000"/>
-              </a:srgbClr>
-            </a:outerShdw>
-          </a:effectLst>
-        </p:spPr>
-      </p:pic>
-    </p:spTree>
-    <p:extLst>
-      <p:ext uri="{BB962C8B-B14F-4D97-AF65-F5344CB8AC3E}">
-        <p14:creationId xmlns:p14="http://schemas.microsoft.com/office/powerpoint/2010/main" val="954167998"/>
       </p:ext>
     </p:extLst>
   </p:cSld>
@@ -4572,6 +4498,160 @@
           <a:p>
             <a:r>
               <a:rPr lang="en-US" dirty="0"/>
+              <a:t>Why do we need </a:t>
+            </a:r>
+            <a:r>
+              <a:rPr lang="en-US" dirty="0" err="1"/>
+              <a:t>Gitclass</a:t>
+            </a:r>
+            <a:endParaRPr lang="en-US" dirty="0"/>
+          </a:p>
+        </p:txBody>
+      </p:sp>
+      <p:sp>
+        <p:nvSpPr>
+          <p:cNvPr id="3" name="Content Placeholder 2"/>
+          <p:cNvSpPr>
+            <a:spLocks noGrp="1"/>
+          </p:cNvSpPr>
+          <p:nvPr>
+            <p:ph idx="1"/>
+          </p:nvPr>
+        </p:nvSpPr>
+        <p:spPr/>
+        <p:txBody>
+          <a:bodyPr/>
+          <a:lstStyle/>
+          <a:p>
+            <a:pPr fontAlgn="base"/>
+            <a:r>
+              <a:rPr lang="en-CA" dirty="0"/>
+              <a:t>Organize and Supervise groups</a:t>
+            </a:r>
+          </a:p>
+          <a:p>
+            <a:pPr fontAlgn="base"/>
+            <a:r>
+              <a:rPr lang="en-CA" dirty="0"/>
+              <a:t>Easy and Efficient Interactions</a:t>
+            </a:r>
+          </a:p>
+          <a:p>
+            <a:pPr fontAlgn="base"/>
+            <a:r>
+              <a:rPr lang="en-CA" dirty="0"/>
+              <a:t>Increase of interactions</a:t>
+            </a:r>
+          </a:p>
+          <a:p>
+            <a:pPr fontAlgn="base"/>
+            <a:endParaRPr lang="en-CA" dirty="0"/>
+          </a:p>
+          <a:p>
+            <a:r>
+              <a:rPr lang="en-US" dirty="0"/>
+              <a:t>Safe and Secure!</a:t>
+            </a:r>
+          </a:p>
+          <a:p>
+            <a:pPr marL="0" indent="0">
+              <a:buNone/>
+            </a:pPr>
+            <a:r>
+              <a:rPr lang="en-US" dirty="0"/>
+              <a:t>Only authorized TAs can make changes.</a:t>
+            </a:r>
+          </a:p>
+          <a:p>
+            <a:endParaRPr lang="en-US" dirty="0"/>
+          </a:p>
+        </p:txBody>
+      </p:sp>
+      <p:pic>
+        <p:nvPicPr>
+          <p:cNvPr id="4" name="Picture 3"/>
+          <p:cNvPicPr>
+            <a:picLocks noChangeAspect="1"/>
+          </p:cNvPicPr>
+          <p:nvPr/>
+        </p:nvPicPr>
+        <p:blipFill>
+          <a:blip r:embed="rId2"/>
+          <a:stretch>
+            <a:fillRect/>
+          </a:stretch>
+        </p:blipFill>
+        <p:spPr>
+          <a:xfrm>
+            <a:off x="6290641" y="2171700"/>
+            <a:ext cx="3577590" cy="2333211"/>
+          </a:xfrm>
+          <a:prstGeom prst="rect">
+            <a:avLst/>
+          </a:prstGeom>
+          <a:ln w="38100" cap="sq">
+            <a:solidFill>
+              <a:srgbClr val="000000"/>
+            </a:solidFill>
+            <a:prstDash val="solid"/>
+            <a:miter lim="800000"/>
+          </a:ln>
+          <a:effectLst>
+            <a:outerShdw blurRad="50800" dist="38100" dir="2700000" algn="tl" rotWithShape="0">
+              <a:srgbClr val="000000">
+                <a:alpha val="43000"/>
+              </a:srgbClr>
+            </a:outerShdw>
+          </a:effectLst>
+        </p:spPr>
+      </p:pic>
+    </p:spTree>
+    <p:extLst>
+      <p:ext uri="{BB962C8B-B14F-4D97-AF65-F5344CB8AC3E}">
+        <p14:creationId xmlns:p14="http://schemas.microsoft.com/office/powerpoint/2010/main" val="954167998"/>
+      </p:ext>
+    </p:extLst>
+  </p:cSld>
+  <p:clrMapOvr>
+    <a:masterClrMapping/>
+  </p:clrMapOvr>
+</p:sld>
+</file>
+
+<file path=ppt/slides/slide13.xml><?xml version="1.0" encoding="utf-8"?>
+<p:sld xmlns:a="http://schemas.openxmlformats.org/drawingml/2006/main" xmlns:r="http://schemas.openxmlformats.org/officeDocument/2006/relationships" xmlns:p="http://schemas.openxmlformats.org/presentationml/2006/main">
+  <p:cSld>
+    <p:spTree>
+      <p:nvGrpSpPr>
+        <p:cNvPr id="1" name=""/>
+        <p:cNvGrpSpPr/>
+        <p:nvPr/>
+      </p:nvGrpSpPr>
+      <p:grpSpPr>
+        <a:xfrm>
+          <a:off x="0" y="0"/>
+          <a:ext cx="0" cy="0"/>
+          <a:chOff x="0" y="0"/>
+          <a:chExt cx="0" cy="0"/>
+        </a:xfrm>
+      </p:grpSpPr>
+      <p:sp>
+        <p:nvSpPr>
+          <p:cNvPr id="2" name="Title 1"/>
+          <p:cNvSpPr>
+            <a:spLocks noGrp="1"/>
+          </p:cNvSpPr>
+          <p:nvPr>
+            <p:ph type="title"/>
+          </p:nvPr>
+        </p:nvSpPr>
+        <p:spPr/>
+        <p:txBody>
+          <a:bodyPr/>
+          <a:lstStyle/>
+          <a:p>
+            <a:r>
+              <a:rPr lang="en-US" dirty="0"/>
               <a:t>How will we make money?</a:t>
             </a:r>
           </a:p>
@@ -4696,7 +4776,7 @@
 </p:sld>
 </file>
 
-<file path=ppt/slides/slide13.xml><?xml version="1.0" encoding="utf-8"?>
+<file path=ppt/slides/slide14.xml><?xml version="1.0" encoding="utf-8"?>
 <p:sld xmlns:a="http://schemas.openxmlformats.org/drawingml/2006/main" xmlns:r="http://schemas.openxmlformats.org/officeDocument/2006/relationships" xmlns:p="http://schemas.openxmlformats.org/presentationml/2006/main">
   <p:cSld>
     <p:spTree>
@@ -4782,82 +4862,6 @@
     <p:extLst>
       <p:ext uri="{BB962C8B-B14F-4D97-AF65-F5344CB8AC3E}">
         <p14:creationId xmlns:p14="http://schemas.microsoft.com/office/powerpoint/2010/main" val="1404706064"/>
-      </p:ext>
-    </p:extLst>
-  </p:cSld>
-  <p:clrMapOvr>
-    <a:masterClrMapping/>
-  </p:clrMapOvr>
-</p:sld>
-</file>
-
-<file path=ppt/slides/slide14.xml><?xml version="1.0" encoding="utf-8"?>
-<p:sld xmlns:a="http://schemas.openxmlformats.org/drawingml/2006/main" xmlns:r="http://schemas.openxmlformats.org/officeDocument/2006/relationships" xmlns:p="http://schemas.openxmlformats.org/presentationml/2006/main">
-  <p:cSld>
-    <p:spTree>
-      <p:nvGrpSpPr>
-        <p:cNvPr id="1" name=""/>
-        <p:cNvGrpSpPr/>
-        <p:nvPr/>
-      </p:nvGrpSpPr>
-      <p:grpSpPr>
-        <a:xfrm>
-          <a:off x="0" y="0"/>
-          <a:ext cx="0" cy="0"/>
-          <a:chOff x="0" y="0"/>
-          <a:chExt cx="0" cy="0"/>
-        </a:xfrm>
-      </p:grpSpPr>
-      <p:sp>
-        <p:nvSpPr>
-          <p:cNvPr id="2" name="Title 1"/>
-          <p:cNvSpPr>
-            <a:spLocks noGrp="1"/>
-          </p:cNvSpPr>
-          <p:nvPr>
-            <p:ph type="title"/>
-          </p:nvPr>
-        </p:nvSpPr>
-        <p:spPr/>
-        <p:txBody>
-          <a:bodyPr/>
-          <a:lstStyle/>
-          <a:p>
-            <a:r>
-              <a:rPr lang="en-US" dirty="0"/>
-              <a:t>UML Diagram: User</a:t>
-            </a:r>
-          </a:p>
-        </p:txBody>
-      </p:sp>
-      <p:pic>
-        <p:nvPicPr>
-          <p:cNvPr id="4" name="Picture 3"/>
-          <p:cNvPicPr>
-            <a:picLocks noChangeAspect="1"/>
-          </p:cNvPicPr>
-          <p:nvPr/>
-        </p:nvPicPr>
-        <p:blipFill>
-          <a:blip r:embed="rId2"/>
-          <a:stretch>
-            <a:fillRect/>
-          </a:stretch>
-        </p:blipFill>
-        <p:spPr>
-          <a:xfrm>
-            <a:off x="3800475" y="1676400"/>
-            <a:ext cx="4591050" cy="3505200"/>
-          </a:xfrm>
-          <a:prstGeom prst="rect">
-            <a:avLst/>
-          </a:prstGeom>
-        </p:spPr>
-      </p:pic>
-    </p:spTree>
-    <p:extLst>
-      <p:ext uri="{BB962C8B-B14F-4D97-AF65-F5344CB8AC3E}">
-        <p14:creationId xmlns:p14="http://schemas.microsoft.com/office/powerpoint/2010/main" val="2295021642"/>
       </p:ext>
     </p:extLst>
   </p:cSld>
@@ -4901,7 +4905,7 @@
           <a:p>
             <a:r>
               <a:rPr lang="en-US" dirty="0"/>
-              <a:t>UML Diagram: Classes, Groups, Posts</a:t>
+              <a:t>UML Diagram: User</a:t>
             </a:r>
           </a:p>
         </p:txBody>
@@ -4922,32 +4926,18 @@
         </p:blipFill>
         <p:spPr>
           <a:xfrm>
-            <a:off x="4048125" y="1428750"/>
-            <a:ext cx="4248150" cy="5095875"/>
+            <a:off x="3800475" y="1676400"/>
+            <a:ext cx="4591050" cy="3505200"/>
           </a:xfrm>
           <a:prstGeom prst="rect">
             <a:avLst/>
           </a:prstGeom>
-          <a:ln w="38100" cap="sq">
-            <a:solidFill>
-              <a:srgbClr val="000000"/>
-            </a:solidFill>
-            <a:prstDash val="solid"/>
-            <a:miter lim="800000"/>
-          </a:ln>
-          <a:effectLst>
-            <a:outerShdw blurRad="50800" dist="38100" dir="2700000" algn="tl" rotWithShape="0">
-              <a:srgbClr val="000000">
-                <a:alpha val="43000"/>
-              </a:srgbClr>
-            </a:outerShdw>
-          </a:effectLst>
         </p:spPr>
       </p:pic>
     </p:spTree>
     <p:extLst>
       <p:ext uri="{BB962C8B-B14F-4D97-AF65-F5344CB8AC3E}">
-        <p14:creationId xmlns:p14="http://schemas.microsoft.com/office/powerpoint/2010/main" val="3078215042"/>
+        <p14:creationId xmlns:p14="http://schemas.microsoft.com/office/powerpoint/2010/main" val="2295021642"/>
       </p:ext>
     </p:extLst>
   </p:cSld>
@@ -4984,19 +4974,14 @@
             <p:ph type="title"/>
           </p:nvPr>
         </p:nvSpPr>
-        <p:spPr>
-          <a:xfrm>
-            <a:off x="1371599" y="685800"/>
-            <a:ext cx="10727635" cy="1485900"/>
-          </a:xfrm>
-        </p:spPr>
+        <p:spPr/>
         <p:txBody>
           <a:bodyPr/>
           <a:lstStyle/>
           <a:p>
             <a:r>
               <a:rPr lang="en-US" dirty="0"/>
-              <a:t>UML Diagram: Chat, Channel and Messages</a:t>
+              <a:t>UML Diagram: Classes, Groups, Posts</a:t>
             </a:r>
           </a:p>
         </p:txBody>
@@ -5017,8 +5002,8 @@
         </p:blipFill>
         <p:spPr>
           <a:xfrm>
-            <a:off x="4481512" y="1428750"/>
-            <a:ext cx="3381375" cy="5286375"/>
+            <a:off x="4048125" y="1428750"/>
+            <a:ext cx="4248150" cy="5095875"/>
           </a:xfrm>
           <a:prstGeom prst="rect">
             <a:avLst/>
@@ -5042,7 +5027,7 @@
     </p:spTree>
     <p:extLst>
       <p:ext uri="{BB962C8B-B14F-4D97-AF65-F5344CB8AC3E}">
-        <p14:creationId xmlns:p14="http://schemas.microsoft.com/office/powerpoint/2010/main" val="3279258027"/>
+        <p14:creationId xmlns:p14="http://schemas.microsoft.com/office/powerpoint/2010/main" val="3078215042"/>
       </p:ext>
     </p:extLst>
   </p:cSld>
@@ -5081,34 +5066,18 @@
         </p:nvSpPr>
         <p:spPr>
           <a:xfrm>
-            <a:off x="5619181" y="1337098"/>
-            <a:ext cx="9601200" cy="1485900"/>
-          </a:xfrm>
-        </p:spPr>
-        <p:txBody>
-          <a:bodyPr>
-            <a:normAutofit fontScale="90000"/>
-          </a:bodyPr>
+            <a:off x="1371599" y="685800"/>
+            <a:ext cx="10727635" cy="1485900"/>
+          </a:xfrm>
+        </p:spPr>
+        <p:txBody>
+          <a:bodyPr/>
           <a:lstStyle/>
           <a:p>
             <a:r>
               <a:rPr lang="en-US" dirty="0"/>
-              <a:t>Frameworks, Languages </a:t>
-            </a:r>
-            <a:br>
-              <a:rPr lang="en-US" dirty="0"/>
-            </a:br>
-            <a:r>
-              <a:rPr lang="en-US" dirty="0"/>
-              <a:t>and Services used.</a:t>
-            </a:r>
-            <a:br>
-              <a:rPr lang="en-US" dirty="0"/>
-            </a:br>
-            <a:br>
-              <a:rPr lang="en-US" dirty="0"/>
-            </a:br>
-            <a:endParaRPr lang="en-US" dirty="0"/>
+              <a:t>UML Diagram: Chat, Channel and Messages</a:t>
+            </a:r>
           </a:p>
         </p:txBody>
       </p:sp>
@@ -5128,8 +5097,8 @@
         </p:blipFill>
         <p:spPr>
           <a:xfrm>
-            <a:off x="1238841" y="504584"/>
-            <a:ext cx="3914702" cy="6068422"/>
+            <a:off x="4481512" y="1428750"/>
+            <a:ext cx="3381375" cy="5286375"/>
           </a:xfrm>
           <a:prstGeom prst="rect">
             <a:avLst/>
@@ -5150,24 +5119,101 @@
           </a:effectLst>
         </p:spPr>
       </p:pic>
+    </p:spTree>
+    <p:extLst>
+      <p:ext uri="{BB962C8B-B14F-4D97-AF65-F5344CB8AC3E}">
+        <p14:creationId xmlns:p14="http://schemas.microsoft.com/office/powerpoint/2010/main" val="3279258027"/>
+      </p:ext>
+    </p:extLst>
+  </p:cSld>
+  <p:clrMapOvr>
+    <a:masterClrMapping/>
+  </p:clrMapOvr>
+</p:sld>
+</file>
+
+<file path=ppt/slides/slide18.xml><?xml version="1.0" encoding="utf-8"?>
+<p:sld xmlns:a="http://schemas.openxmlformats.org/drawingml/2006/main" xmlns:r="http://schemas.openxmlformats.org/officeDocument/2006/relationships" xmlns:p="http://schemas.openxmlformats.org/presentationml/2006/main">
+  <p:cSld>
+    <p:spTree>
+      <p:nvGrpSpPr>
+        <p:cNvPr id="1" name=""/>
+        <p:cNvGrpSpPr/>
+        <p:nvPr/>
+      </p:nvGrpSpPr>
+      <p:grpSpPr>
+        <a:xfrm>
+          <a:off x="0" y="0"/>
+          <a:ext cx="0" cy="0"/>
+          <a:chOff x="0" y="0"/>
+          <a:chExt cx="0" cy="0"/>
+        </a:xfrm>
+      </p:grpSpPr>
+      <p:sp>
+        <p:nvSpPr>
+          <p:cNvPr id="2" name="Title 1"/>
+          <p:cNvSpPr>
+            <a:spLocks noGrp="1"/>
+          </p:cNvSpPr>
+          <p:nvPr>
+            <p:ph type="title"/>
+          </p:nvPr>
+        </p:nvSpPr>
+        <p:spPr>
+          <a:xfrm>
+            <a:off x="5619181" y="1337098"/>
+            <a:ext cx="9601200" cy="1485900"/>
+          </a:xfrm>
+        </p:spPr>
+        <p:txBody>
+          <a:bodyPr>
+            <a:normAutofit fontScale="90000"/>
+          </a:bodyPr>
+          <a:lstStyle/>
+          <a:p>
+            <a:r>
+              <a:rPr lang="en-US" dirty="0"/>
+              <a:t>Frameworks, Languages </a:t>
+            </a:r>
+            <a:br>
+              <a:rPr lang="en-US" dirty="0"/>
+            </a:br>
+            <a:r>
+              <a:rPr lang="en-US" dirty="0"/>
+              <a:t>and Services used.</a:t>
+            </a:r>
+            <a:br>
+              <a:rPr lang="en-US" dirty="0"/>
+            </a:br>
+            <a:r>
+              <a:rPr lang="en-US" dirty="0"/>
+              <a:t/>
+            </a:r>
+            <a:br>
+              <a:rPr lang="en-US" dirty="0"/>
+            </a:br>
+            <a:endParaRPr lang="en-US" dirty="0"/>
+          </a:p>
+        </p:txBody>
+      </p:sp>
       <p:pic>
         <p:nvPicPr>
-          <p:cNvPr id="5" name="Picture 4"/>
+          <p:cNvPr id="4" name="Picture 3"/>
           <p:cNvPicPr>
             <a:picLocks noChangeAspect="1"/>
           </p:cNvPicPr>
           <p:nvPr/>
         </p:nvPicPr>
         <p:blipFill>
-          <a:blip r:embed="rId3"/>
+          <a:blip r:embed="rId2"/>
           <a:stretch>
             <a:fillRect/>
           </a:stretch>
         </p:blipFill>
         <p:spPr>
           <a:xfrm>
-            <a:off x="5619181" y="5161793"/>
-            <a:ext cx="6145189" cy="1411213"/>
+            <a:off x="1238841" y="504584"/>
+            <a:ext cx="3914702" cy="6068422"/>
           </a:xfrm>
           <a:prstGeom prst="rect">
             <a:avLst/>
@@ -5188,6 +5234,44 @@
           </a:effectLst>
         </p:spPr>
       </p:pic>
+      <p:pic>
+        <p:nvPicPr>
+          <p:cNvPr id="5" name="Picture 4"/>
+          <p:cNvPicPr>
+            <a:picLocks noChangeAspect="1"/>
+          </p:cNvPicPr>
+          <p:nvPr/>
+        </p:nvPicPr>
+        <p:blipFill>
+          <a:blip r:embed="rId3"/>
+          <a:stretch>
+            <a:fillRect/>
+          </a:stretch>
+        </p:blipFill>
+        <p:spPr>
+          <a:xfrm>
+            <a:off x="5619181" y="5161793"/>
+            <a:ext cx="6145189" cy="1411213"/>
+          </a:xfrm>
+          <a:prstGeom prst="rect">
+            <a:avLst/>
+          </a:prstGeom>
+          <a:ln w="38100" cap="sq">
+            <a:solidFill>
+              <a:srgbClr val="000000"/>
+            </a:solidFill>
+            <a:prstDash val="solid"/>
+            <a:miter lim="800000"/>
+          </a:ln>
+          <a:effectLst>
+            <a:outerShdw blurRad="50800" dist="38100" dir="2700000" algn="tl" rotWithShape="0">
+              <a:srgbClr val="000000">
+                <a:alpha val="43000"/>
+              </a:srgbClr>
+            </a:outerShdw>
+          </a:effectLst>
+        </p:spPr>
+      </p:pic>
     </p:spTree>
     <p:extLst>
       <p:ext uri="{BB962C8B-B14F-4D97-AF65-F5344CB8AC3E}">
@@ -5201,7 +5285,7 @@
 </p:sld>
 </file>
 
-<file path=ppt/slides/slide18.xml><?xml version="1.0" encoding="utf-8"?>
+<file path=ppt/slides/slide19.xml><?xml version="1.0" encoding="utf-8"?>
 <p:sld xmlns:a="http://schemas.openxmlformats.org/drawingml/2006/main" xmlns:r="http://schemas.openxmlformats.org/officeDocument/2006/relationships" xmlns:p="http://schemas.openxmlformats.org/presentationml/2006/main">
   <p:cSld>
     <p:spTree>
@@ -5586,143 +5670,6 @@
 </p:sld>
 </file>
 
-<file path=ppt/slides/slide19.xml><?xml version="1.0" encoding="utf-8"?>
-<p:sld xmlns:a="http://schemas.openxmlformats.org/drawingml/2006/main" xmlns:r="http://schemas.openxmlformats.org/officeDocument/2006/relationships" xmlns:p="http://schemas.openxmlformats.org/presentationml/2006/main">
-  <p:cSld>
-    <p:spTree>
-      <p:nvGrpSpPr>
-        <p:cNvPr id="1" name=""/>
-        <p:cNvGrpSpPr/>
-        <p:nvPr/>
-      </p:nvGrpSpPr>
-      <p:grpSpPr>
-        <a:xfrm>
-          <a:off x="0" y="0"/>
-          <a:ext cx="0" cy="0"/>
-          <a:chOff x="0" y="0"/>
-          <a:chExt cx="0" cy="0"/>
-        </a:xfrm>
-      </p:grpSpPr>
-      <p:sp>
-        <p:nvSpPr>
-          <p:cNvPr id="2" name="Title 1"/>
-          <p:cNvSpPr>
-            <a:spLocks noGrp="1"/>
-          </p:cNvSpPr>
-          <p:nvPr>
-            <p:ph type="title"/>
-          </p:nvPr>
-        </p:nvSpPr>
-        <p:spPr/>
-        <p:txBody>
-          <a:bodyPr/>
-          <a:lstStyle/>
-          <a:p>
-            <a:r>
-              <a:rPr lang="en-US" dirty="0"/>
-              <a:t>Creating a Post</a:t>
-            </a:r>
-          </a:p>
-        </p:txBody>
-      </p:sp>
-      <p:pic>
-        <p:nvPicPr>
-          <p:cNvPr id="5" name="Picture 4"/>
-          <p:cNvPicPr>
-            <a:picLocks noChangeAspect="1"/>
-          </p:cNvPicPr>
-          <p:nvPr/>
-        </p:nvPicPr>
-        <p:blipFill>
-          <a:blip r:embed="rId2"/>
-          <a:stretch>
-            <a:fillRect/>
-          </a:stretch>
-        </p:blipFill>
-        <p:spPr>
-          <a:xfrm>
-            <a:off x="1371600" y="2914650"/>
-            <a:ext cx="5393428" cy="3669042"/>
-          </a:xfrm>
-          <a:prstGeom prst="rect">
-            <a:avLst/>
-          </a:prstGeom>
-          <a:ln w="38100" cap="sq">
-            <a:solidFill>
-              <a:srgbClr val="000000"/>
-            </a:solidFill>
-            <a:prstDash val="solid"/>
-            <a:miter lim="800000"/>
-          </a:ln>
-          <a:effectLst>
-            <a:outerShdw blurRad="50800" dist="38100" dir="2700000" algn="tl" rotWithShape="0">
-              <a:srgbClr val="000000">
-                <a:alpha val="43000"/>
-              </a:srgbClr>
-            </a:outerShdw>
-          </a:effectLst>
-        </p:spPr>
-      </p:pic>
-      <p:sp>
-        <p:nvSpPr>
-          <p:cNvPr id="7" name="Content Placeholder 6"/>
-          <p:cNvSpPr>
-            <a:spLocks noGrp="1"/>
-          </p:cNvSpPr>
-          <p:nvPr>
-            <p:ph idx="1"/>
-          </p:nvPr>
-        </p:nvSpPr>
-        <p:spPr>
-          <a:xfrm>
-            <a:off x="1371600" y="1652587"/>
-            <a:ext cx="9601200" cy="3581400"/>
-          </a:xfrm>
-        </p:spPr>
-        <p:txBody>
-          <a:bodyPr/>
-          <a:lstStyle/>
-          <a:p>
-            <a:r>
-              <a:rPr lang="en-US" dirty="0"/>
-              <a:t>Given: User is part of a class</a:t>
-            </a:r>
-          </a:p>
-          <a:p>
-            <a:pPr marL="457200" indent="-457200">
-              <a:buFont typeface="+mj-lt"/>
-              <a:buAutoNum type="arabicPeriod"/>
-            </a:pPr>
-            <a:r>
-              <a:rPr lang="en-US" dirty="0"/>
-              <a:t>Click on classes tab.</a:t>
-            </a:r>
-          </a:p>
-          <a:p>
-            <a:pPr marL="457200" indent="-457200">
-              <a:buFont typeface="+mj-lt"/>
-              <a:buAutoNum type="arabicPeriod"/>
-            </a:pPr>
-            <a:r>
-              <a:rPr lang="en-US" dirty="0"/>
-              <a:t>Click on the view button for the desired class.</a:t>
-            </a:r>
-          </a:p>
-        </p:txBody>
-      </p:sp>
-    </p:spTree>
-    <p:extLst>
-      <p:ext uri="{BB962C8B-B14F-4D97-AF65-F5344CB8AC3E}">
-        <p14:creationId xmlns:p14="http://schemas.microsoft.com/office/powerpoint/2010/main" val="2672677749"/>
-      </p:ext>
-    </p:extLst>
-  </p:cSld>
-  <p:clrMapOvr>
-    <a:masterClrMapping/>
-  </p:clrMapOvr>
-</p:sld>
-</file>
-
 <file path=ppt/slides/slide2.xml><?xml version="1.0" encoding="utf-8"?>
 <p:sld xmlns:a="http://schemas.openxmlformats.org/drawingml/2006/main" xmlns:r="http://schemas.openxmlformats.org/officeDocument/2006/relationships" xmlns:p="http://schemas.openxmlformats.org/presentationml/2006/main">
   <p:cSld>
@@ -5760,8 +5707,8 @@
               <a:t>What is </a:t>
             </a:r>
             <a:r>
-              <a:rPr lang="en-US" dirty="0" err="1"/>
-              <a:t>Gitclass</a:t>
+              <a:rPr lang="en-US" dirty="0" err="1" smtClean="0"/>
+              <a:t>GitClass</a:t>
             </a:r>
             <a:r>
               <a:rPr lang="en-US" dirty="0"/>
@@ -5938,6 +5885,143 @@
         </p:blipFill>
         <p:spPr>
           <a:xfrm>
+            <a:off x="1371600" y="2914650"/>
+            <a:ext cx="5393428" cy="3669042"/>
+          </a:xfrm>
+          <a:prstGeom prst="rect">
+            <a:avLst/>
+          </a:prstGeom>
+          <a:ln w="38100" cap="sq">
+            <a:solidFill>
+              <a:srgbClr val="000000"/>
+            </a:solidFill>
+            <a:prstDash val="solid"/>
+            <a:miter lim="800000"/>
+          </a:ln>
+          <a:effectLst>
+            <a:outerShdw blurRad="50800" dist="38100" dir="2700000" algn="tl" rotWithShape="0">
+              <a:srgbClr val="000000">
+                <a:alpha val="43000"/>
+              </a:srgbClr>
+            </a:outerShdw>
+          </a:effectLst>
+        </p:spPr>
+      </p:pic>
+      <p:sp>
+        <p:nvSpPr>
+          <p:cNvPr id="7" name="Content Placeholder 6"/>
+          <p:cNvSpPr>
+            <a:spLocks noGrp="1"/>
+          </p:cNvSpPr>
+          <p:nvPr>
+            <p:ph idx="1"/>
+          </p:nvPr>
+        </p:nvSpPr>
+        <p:spPr>
+          <a:xfrm>
+            <a:off x="1371600" y="1652587"/>
+            <a:ext cx="9601200" cy="3581400"/>
+          </a:xfrm>
+        </p:spPr>
+        <p:txBody>
+          <a:bodyPr/>
+          <a:lstStyle/>
+          <a:p>
+            <a:r>
+              <a:rPr lang="en-US" dirty="0"/>
+              <a:t>Given: User is part of a class</a:t>
+            </a:r>
+          </a:p>
+          <a:p>
+            <a:pPr marL="457200" indent="-457200">
+              <a:buFont typeface="+mj-lt"/>
+              <a:buAutoNum type="arabicPeriod"/>
+            </a:pPr>
+            <a:r>
+              <a:rPr lang="en-US" dirty="0"/>
+              <a:t>Click on classes tab.</a:t>
+            </a:r>
+          </a:p>
+          <a:p>
+            <a:pPr marL="457200" indent="-457200">
+              <a:buFont typeface="+mj-lt"/>
+              <a:buAutoNum type="arabicPeriod"/>
+            </a:pPr>
+            <a:r>
+              <a:rPr lang="en-US" dirty="0"/>
+              <a:t>Click on the view button for the desired class.</a:t>
+            </a:r>
+          </a:p>
+        </p:txBody>
+      </p:sp>
+    </p:spTree>
+    <p:extLst>
+      <p:ext uri="{BB962C8B-B14F-4D97-AF65-F5344CB8AC3E}">
+        <p14:creationId xmlns:p14="http://schemas.microsoft.com/office/powerpoint/2010/main" val="2672677749"/>
+      </p:ext>
+    </p:extLst>
+  </p:cSld>
+  <p:clrMapOvr>
+    <a:masterClrMapping/>
+  </p:clrMapOvr>
+</p:sld>
+</file>
+
+<file path=ppt/slides/slide21.xml><?xml version="1.0" encoding="utf-8"?>
+<p:sld xmlns:a="http://schemas.openxmlformats.org/drawingml/2006/main" xmlns:r="http://schemas.openxmlformats.org/officeDocument/2006/relationships" xmlns:p="http://schemas.openxmlformats.org/presentationml/2006/main">
+  <p:cSld>
+    <p:spTree>
+      <p:nvGrpSpPr>
+        <p:cNvPr id="1" name=""/>
+        <p:cNvGrpSpPr/>
+        <p:nvPr/>
+      </p:nvGrpSpPr>
+      <p:grpSpPr>
+        <a:xfrm>
+          <a:off x="0" y="0"/>
+          <a:ext cx="0" cy="0"/>
+          <a:chOff x="0" y="0"/>
+          <a:chExt cx="0" cy="0"/>
+        </a:xfrm>
+      </p:grpSpPr>
+      <p:sp>
+        <p:nvSpPr>
+          <p:cNvPr id="2" name="Title 1"/>
+          <p:cNvSpPr>
+            <a:spLocks noGrp="1"/>
+          </p:cNvSpPr>
+          <p:nvPr>
+            <p:ph type="title"/>
+          </p:nvPr>
+        </p:nvSpPr>
+        <p:spPr/>
+        <p:txBody>
+          <a:bodyPr/>
+          <a:lstStyle/>
+          <a:p>
+            <a:r>
+              <a:rPr lang="en-US" dirty="0"/>
+              <a:t>Creating a Post</a:t>
+            </a:r>
+          </a:p>
+        </p:txBody>
+      </p:sp>
+      <p:pic>
+        <p:nvPicPr>
+          <p:cNvPr id="5" name="Picture 4"/>
+          <p:cNvPicPr>
+            <a:picLocks noChangeAspect="1"/>
+          </p:cNvPicPr>
+          <p:nvPr/>
+        </p:nvPicPr>
+        <p:blipFill>
+          <a:blip r:embed="rId2"/>
+          <a:stretch>
+            <a:fillRect/>
+          </a:stretch>
+        </p:blipFill>
+        <p:spPr>
+          <a:xfrm>
             <a:off x="1371600" y="1853648"/>
             <a:ext cx="9189047" cy="4369902"/>
           </a:xfrm>
@@ -5989,7 +6073,7 @@
 </p:sld>
 </file>
 
-<file path=ppt/slides/slide21.xml><?xml version="1.0" encoding="utf-8"?>
+<file path=ppt/slides/slide22.xml><?xml version="1.0" encoding="utf-8"?>
 <p:sld xmlns:a="http://schemas.openxmlformats.org/drawingml/2006/main" xmlns:r="http://schemas.openxmlformats.org/officeDocument/2006/relationships" xmlns:p="http://schemas.openxmlformats.org/presentationml/2006/main">
   <p:cSld>
     <p:spTree>
@@ -6288,112 +6372,6 @@
 </p:sld>
 </file>
 
-<file path=ppt/slides/slide22.xml><?xml version="1.0" encoding="utf-8"?>
-<p:sld xmlns:a="http://schemas.openxmlformats.org/drawingml/2006/main" xmlns:r="http://schemas.openxmlformats.org/officeDocument/2006/relationships" xmlns:p="http://schemas.openxmlformats.org/presentationml/2006/main">
-  <p:cSld>
-    <p:spTree>
-      <p:nvGrpSpPr>
-        <p:cNvPr id="1" name=""/>
-        <p:cNvGrpSpPr/>
-        <p:nvPr/>
-      </p:nvGrpSpPr>
-      <p:grpSpPr>
-        <a:xfrm>
-          <a:off x="0" y="0"/>
-          <a:ext cx="0" cy="0"/>
-          <a:chOff x="0" y="0"/>
-          <a:chExt cx="0" cy="0"/>
-        </a:xfrm>
-      </p:grpSpPr>
-      <p:sp>
-        <p:nvSpPr>
-          <p:cNvPr id="2" name="Title 1"/>
-          <p:cNvSpPr>
-            <a:spLocks noGrp="1"/>
-          </p:cNvSpPr>
-          <p:nvPr>
-            <p:ph type="title"/>
-          </p:nvPr>
-        </p:nvSpPr>
-        <p:spPr/>
-        <p:txBody>
-          <a:bodyPr/>
-          <a:lstStyle/>
-          <a:p>
-            <a:r>
-              <a:rPr lang="en-US" dirty="0"/>
-              <a:t>Creating a Post</a:t>
-            </a:r>
-          </a:p>
-        </p:txBody>
-      </p:sp>
-      <p:sp>
-        <p:nvSpPr>
-          <p:cNvPr id="3" name="Content Placeholder 2"/>
-          <p:cNvSpPr>
-            <a:spLocks noGrp="1"/>
-          </p:cNvSpPr>
-          <p:nvPr>
-            <p:ph idx="1"/>
-          </p:nvPr>
-        </p:nvSpPr>
-        <p:spPr>
-          <a:xfrm>
-            <a:off x="1371600" y="1428750"/>
-            <a:ext cx="9601200" cy="3581400"/>
-          </a:xfrm>
-        </p:spPr>
-        <p:txBody>
-          <a:bodyPr/>
-          <a:lstStyle/>
-          <a:p>
-            <a:pPr marL="0" indent="0">
-              <a:buNone/>
-            </a:pPr>
-            <a:r>
-              <a:rPr lang="en-US" dirty="0"/>
-              <a:t>A new post will be listed in the class forum. </a:t>
-            </a:r>
-          </a:p>
-        </p:txBody>
-      </p:sp>
-      <p:pic>
-        <p:nvPicPr>
-          <p:cNvPr id="5" name="Picture 4"/>
-          <p:cNvPicPr>
-            <a:picLocks noChangeAspect="1"/>
-          </p:cNvPicPr>
-          <p:nvPr/>
-        </p:nvPicPr>
-        <p:blipFill>
-          <a:blip r:embed="rId2"/>
-          <a:stretch>
-            <a:fillRect/>
-          </a:stretch>
-        </p:blipFill>
-        <p:spPr>
-          <a:xfrm>
-            <a:off x="1371600" y="1866900"/>
-            <a:ext cx="9960130" cy="4705457"/>
-          </a:xfrm>
-          <a:prstGeom prst="rect">
-            <a:avLst/>
-          </a:prstGeom>
-        </p:spPr>
-      </p:pic>
-    </p:spTree>
-    <p:extLst>
-      <p:ext uri="{BB962C8B-B14F-4D97-AF65-F5344CB8AC3E}">
-        <p14:creationId xmlns:p14="http://schemas.microsoft.com/office/powerpoint/2010/main" val="1066139724"/>
-      </p:ext>
-    </p:extLst>
-  </p:cSld>
-  <p:clrMapOvr>
-    <a:masterClrMapping/>
-  </p:clrMapOvr>
-</p:sld>
-</file>
-
 <file path=ppt/slides/slide23.xml><?xml version="1.0" encoding="utf-8"?>
 <p:sld xmlns:a="http://schemas.openxmlformats.org/drawingml/2006/main" xmlns:r="http://schemas.openxmlformats.org/officeDocument/2006/relationships" xmlns:p="http://schemas.openxmlformats.org/presentationml/2006/main">
   <p:cSld>
@@ -6445,7 +6423,7 @@
         </p:nvSpPr>
         <p:spPr>
           <a:xfrm>
-            <a:off x="1371600" y="1709225"/>
+            <a:off x="1371600" y="1428750"/>
             <a:ext cx="9601200" cy="3581400"/>
           </a:xfrm>
         </p:spPr>
@@ -6453,43 +6431,19 @@
           <a:bodyPr/>
           <a:lstStyle/>
           <a:p>
+            <a:pPr marL="0" indent="0">
+              <a:buNone/>
+            </a:pPr>
             <a:r>
               <a:rPr lang="en-US" dirty="0"/>
-              <a:t>Upon clicking on the post a new page renders.</a:t>
-            </a:r>
-          </a:p>
-          <a:p>
-            <a:endParaRPr lang="en-US" dirty="0"/>
-          </a:p>
-          <a:p>
-            <a:r>
-              <a:rPr lang="en-US" dirty="0"/>
-              <a:t>Any class member may leave comments.</a:t>
-            </a:r>
-          </a:p>
-          <a:p>
-            <a:endParaRPr lang="en-US" dirty="0"/>
-          </a:p>
-          <a:p>
-            <a:r>
-              <a:rPr lang="en-US" dirty="0"/>
-              <a:t>Timestamps of each comment are recorded </a:t>
-            </a:r>
-          </a:p>
-          <a:p>
-            <a:pPr marL="0" indent="0">
-              <a:buNone/>
-            </a:pPr>
-            <a:r>
-              <a:rPr lang="en-US" dirty="0"/>
-              <a:t>And displayed.</a:t>
+              <a:t>A new post will be listed in the class forum. </a:t>
             </a:r>
           </a:p>
         </p:txBody>
       </p:sp>
       <p:pic>
         <p:nvPicPr>
-          <p:cNvPr id="6" name="Picture 5"/>
+          <p:cNvPr id="5" name="Picture 4"/>
           <p:cNvPicPr>
             <a:picLocks noChangeAspect="1"/>
           </p:cNvPicPr>
@@ -6503,8 +6457,8 @@
         </p:blipFill>
         <p:spPr>
           <a:xfrm>
-            <a:off x="7420343" y="1136630"/>
-            <a:ext cx="4382452" cy="5172730"/>
+            <a:off x="1371600" y="1866900"/>
+            <a:ext cx="9960130" cy="4705457"/>
           </a:xfrm>
           <a:prstGeom prst="rect">
             <a:avLst/>
@@ -6514,7 +6468,7 @@
     </p:spTree>
     <p:extLst>
       <p:ext uri="{BB962C8B-B14F-4D97-AF65-F5344CB8AC3E}">
-        <p14:creationId xmlns:p14="http://schemas.microsoft.com/office/powerpoint/2010/main" val="1906797699"/>
+        <p14:creationId xmlns:p14="http://schemas.microsoft.com/office/powerpoint/2010/main" val="1066139724"/>
       </p:ext>
     </p:extLst>
   </p:cSld>
@@ -6558,6 +6512,136 @@
           <a:p>
             <a:r>
               <a:rPr lang="en-US" dirty="0"/>
+              <a:t>Creating a Post</a:t>
+            </a:r>
+          </a:p>
+        </p:txBody>
+      </p:sp>
+      <p:sp>
+        <p:nvSpPr>
+          <p:cNvPr id="3" name="Content Placeholder 2"/>
+          <p:cNvSpPr>
+            <a:spLocks noGrp="1"/>
+          </p:cNvSpPr>
+          <p:nvPr>
+            <p:ph idx="1"/>
+          </p:nvPr>
+        </p:nvSpPr>
+        <p:spPr>
+          <a:xfrm>
+            <a:off x="1371600" y="1709225"/>
+            <a:ext cx="9601200" cy="3581400"/>
+          </a:xfrm>
+        </p:spPr>
+        <p:txBody>
+          <a:bodyPr/>
+          <a:lstStyle/>
+          <a:p>
+            <a:r>
+              <a:rPr lang="en-US" dirty="0"/>
+              <a:t>Upon clicking on the post a new page renders.</a:t>
+            </a:r>
+          </a:p>
+          <a:p>
+            <a:endParaRPr lang="en-US" dirty="0"/>
+          </a:p>
+          <a:p>
+            <a:r>
+              <a:rPr lang="en-US" dirty="0"/>
+              <a:t>Any class member may leave comments.</a:t>
+            </a:r>
+          </a:p>
+          <a:p>
+            <a:endParaRPr lang="en-US" dirty="0"/>
+          </a:p>
+          <a:p>
+            <a:r>
+              <a:rPr lang="en-US" dirty="0"/>
+              <a:t>Timestamps of each comment are recorded </a:t>
+            </a:r>
+          </a:p>
+          <a:p>
+            <a:pPr marL="0" indent="0">
+              <a:buNone/>
+            </a:pPr>
+            <a:r>
+              <a:rPr lang="en-US" dirty="0"/>
+              <a:t>And displayed.</a:t>
+            </a:r>
+          </a:p>
+        </p:txBody>
+      </p:sp>
+      <p:pic>
+        <p:nvPicPr>
+          <p:cNvPr id="6" name="Picture 5"/>
+          <p:cNvPicPr>
+            <a:picLocks noChangeAspect="1"/>
+          </p:cNvPicPr>
+          <p:nvPr/>
+        </p:nvPicPr>
+        <p:blipFill>
+          <a:blip r:embed="rId2"/>
+          <a:stretch>
+            <a:fillRect/>
+          </a:stretch>
+        </p:blipFill>
+        <p:spPr>
+          <a:xfrm>
+            <a:off x="7420343" y="1136630"/>
+            <a:ext cx="4382452" cy="5172730"/>
+          </a:xfrm>
+          <a:prstGeom prst="rect">
+            <a:avLst/>
+          </a:prstGeom>
+        </p:spPr>
+      </p:pic>
+    </p:spTree>
+    <p:extLst>
+      <p:ext uri="{BB962C8B-B14F-4D97-AF65-F5344CB8AC3E}">
+        <p14:creationId xmlns:p14="http://schemas.microsoft.com/office/powerpoint/2010/main" val="1906797699"/>
+      </p:ext>
+    </p:extLst>
+  </p:cSld>
+  <p:clrMapOvr>
+    <a:masterClrMapping/>
+  </p:clrMapOvr>
+</p:sld>
+</file>
+
+<file path=ppt/slides/slide25.xml><?xml version="1.0" encoding="utf-8"?>
+<p:sld xmlns:a="http://schemas.openxmlformats.org/drawingml/2006/main" xmlns:r="http://schemas.openxmlformats.org/officeDocument/2006/relationships" xmlns:p="http://schemas.openxmlformats.org/presentationml/2006/main">
+  <p:cSld>
+    <p:spTree>
+      <p:nvGrpSpPr>
+        <p:cNvPr id="1" name=""/>
+        <p:cNvGrpSpPr/>
+        <p:nvPr/>
+      </p:nvGrpSpPr>
+      <p:grpSpPr>
+        <a:xfrm>
+          <a:off x="0" y="0"/>
+          <a:ext cx="0" cy="0"/>
+          <a:chOff x="0" y="0"/>
+          <a:chExt cx="0" cy="0"/>
+        </a:xfrm>
+      </p:grpSpPr>
+      <p:sp>
+        <p:nvSpPr>
+          <p:cNvPr id="2" name="Title 1"/>
+          <p:cNvSpPr>
+            <a:spLocks noGrp="1"/>
+          </p:cNvSpPr>
+          <p:nvPr>
+            <p:ph type="title"/>
+          </p:nvPr>
+        </p:nvSpPr>
+        <p:spPr/>
+        <p:txBody>
+          <a:bodyPr/>
+          <a:lstStyle/>
+          <a:p>
+            <a:r>
+              <a:rPr lang="en-US" dirty="0"/>
               <a:t>Lessons Learned</a:t>
             </a:r>
           </a:p>
@@ -6654,7 +6738,7 @@
 </p:sld>
 </file>
 
-<file path=ppt/slides/slide25.xml><?xml version="1.0" encoding="utf-8"?>
+<file path=ppt/slides/slide26.xml><?xml version="1.0" encoding="utf-8"?>
 <p:sld xmlns:a="http://schemas.openxmlformats.org/drawingml/2006/main" xmlns:r="http://schemas.openxmlformats.org/officeDocument/2006/relationships" xmlns:p="http://schemas.openxmlformats.org/presentationml/2006/main">
   <p:cSld>
     <p:spTree>
@@ -6960,55 +7044,6 @@
           <a:chExt cx="0" cy="0"/>
         </a:xfrm>
       </p:grpSpPr>
-      <p:sp>
-        <p:nvSpPr>
-          <p:cNvPr id="2" name="Title 1"/>
-          <p:cNvSpPr>
-            <a:spLocks noGrp="1"/>
-          </p:cNvSpPr>
-          <p:nvPr>
-            <p:ph type="title"/>
-          </p:nvPr>
-        </p:nvSpPr>
-        <p:spPr/>
-        <p:txBody>
-          <a:bodyPr/>
-          <a:lstStyle/>
-          <a:p>
-            <a:r>
-              <a:rPr lang="en-US" dirty="0"/>
-              <a:t>Chat with students and TAs</a:t>
-            </a:r>
-          </a:p>
-        </p:txBody>
-      </p:sp>
-      <p:sp>
-        <p:nvSpPr>
-          <p:cNvPr id="3" name="Content Placeholder 2"/>
-          <p:cNvSpPr>
-            <a:spLocks noGrp="1"/>
-          </p:cNvSpPr>
-          <p:nvPr>
-            <p:ph idx="1"/>
-          </p:nvPr>
-        </p:nvSpPr>
-        <p:spPr>
-          <a:xfrm>
-            <a:off x="1371600" y="1773306"/>
-            <a:ext cx="9601200" cy="3581400"/>
-          </a:xfrm>
-        </p:spPr>
-        <p:txBody>
-          <a:bodyPr/>
-          <a:lstStyle/>
-          <a:p>
-            <a:r>
-              <a:rPr lang="en-US" dirty="0"/>
-              <a:t>Send and receive messages from users in the selected channel.</a:t>
-            </a:r>
-          </a:p>
-        </p:txBody>
-      </p:sp>
       <p:pic>
         <p:nvPicPr>
           <p:cNvPr id="4" name="Picture 3"/>
@@ -7018,25 +7053,67 @@
           <p:nvPr/>
         </p:nvPicPr>
         <p:blipFill>
-          <a:blip r:embed="rId2"/>
+          <a:blip r:embed="rId2">
+            <a:extLst>
+              <a:ext uri="{28A0092B-C50C-407E-A947-70E740481C1C}">
+                <a14:useLocalDpi xmlns:a14="http://schemas.microsoft.com/office/drawing/2010/main" val="0"/>
+              </a:ext>
+            </a:extLst>
+          </a:blip>
           <a:stretch>
             <a:fillRect/>
           </a:stretch>
         </p:blipFill>
         <p:spPr>
           <a:xfrm>
-            <a:off x="1371600" y="2330726"/>
-            <a:ext cx="7161115" cy="3995080"/>
+            <a:off x="2310678" y="1950461"/>
+            <a:ext cx="7462943" cy="3972358"/>
           </a:xfrm>
           <a:prstGeom prst="rect">
             <a:avLst/>
           </a:prstGeom>
         </p:spPr>
       </p:pic>
+      <p:sp>
+        <p:nvSpPr>
+          <p:cNvPr id="5" name="TextBox 4"/>
+          <p:cNvSpPr txBox="1"/>
+          <p:nvPr/>
+        </p:nvSpPr>
+        <p:spPr>
+          <a:xfrm>
+            <a:off x="2310679" y="477982"/>
+            <a:ext cx="7337116" cy="1153391"/>
+          </a:xfrm>
+          <a:prstGeom prst="rect">
+            <a:avLst/>
+          </a:prstGeom>
+          <a:noFill/>
+        </p:spPr>
+        <p:txBody>
+          <a:bodyPr wrap="square" rtlCol="0">
+            <a:spAutoFit/>
+          </a:bodyPr>
+          <a:lstStyle/>
+          <a:p>
+            <a:r>
+              <a:rPr lang="en-US" sz="4400" dirty="0" smtClean="0"/>
+              <a:t>GitHub Statistics</a:t>
+            </a:r>
+          </a:p>
+          <a:p>
+            <a:r>
+              <a:rPr lang="en-US" sz="2400" dirty="0" smtClean="0"/>
+              <a:t>Chart generated using Plot.ly library</a:t>
+            </a:r>
+            <a:endParaRPr lang="en-US" sz="2400" dirty="0"/>
+          </a:p>
+        </p:txBody>
+      </p:sp>
     </p:spTree>
     <p:extLst>
       <p:ext uri="{BB962C8B-B14F-4D97-AF65-F5344CB8AC3E}">
-        <p14:creationId xmlns:p14="http://schemas.microsoft.com/office/powerpoint/2010/main" val="312246864"/>
+        <p14:creationId xmlns:p14="http://schemas.microsoft.com/office/powerpoint/2010/main" val="3685957045"/>
       </p:ext>
     </p:extLst>
   </p:cSld>
@@ -7080,14 +7157,41 @@
           <a:p>
             <a:r>
               <a:rPr lang="en-US" dirty="0"/>
-              <a:t>Manage Chat Channels</a:t>
+              <a:t>Chat with students and TAs</a:t>
+            </a:r>
+          </a:p>
+        </p:txBody>
+      </p:sp>
+      <p:sp>
+        <p:nvSpPr>
+          <p:cNvPr id="3" name="Content Placeholder 2"/>
+          <p:cNvSpPr>
+            <a:spLocks noGrp="1"/>
+          </p:cNvSpPr>
+          <p:nvPr>
+            <p:ph idx="1"/>
+          </p:nvPr>
+        </p:nvSpPr>
+        <p:spPr>
+          <a:xfrm>
+            <a:off x="1371600" y="1773306"/>
+            <a:ext cx="9601200" cy="3581400"/>
+          </a:xfrm>
+        </p:spPr>
+        <p:txBody>
+          <a:bodyPr/>
+          <a:lstStyle/>
+          <a:p>
+            <a:r>
+              <a:rPr lang="en-US" dirty="0"/>
+              <a:t>Send and receive messages from users in the selected channel.</a:t>
             </a:r>
           </a:p>
         </p:txBody>
       </p:sp>
       <p:pic>
         <p:nvPicPr>
-          <p:cNvPr id="5" name="Picture 4"/>
+          <p:cNvPr id="4" name="Picture 3"/>
           <p:cNvPicPr>
             <a:picLocks noChangeAspect="1"/>
           </p:cNvPicPr>
@@ -7101,57 +7205,18 @@
         </p:blipFill>
         <p:spPr>
           <a:xfrm>
-            <a:off x="1488903" y="1428750"/>
-            <a:ext cx="5781675" cy="5181600"/>
+            <a:off x="1371600" y="2330726"/>
+            <a:ext cx="7161115" cy="3995080"/>
           </a:xfrm>
           <a:prstGeom prst="rect">
             <a:avLst/>
           </a:prstGeom>
         </p:spPr>
       </p:pic>
-      <p:sp>
-        <p:nvSpPr>
-          <p:cNvPr id="6" name="Content Placeholder 2"/>
-          <p:cNvSpPr>
-            <a:spLocks noGrp="1"/>
-          </p:cNvSpPr>
-          <p:nvPr>
-            <p:ph idx="1"/>
-          </p:nvPr>
-        </p:nvSpPr>
-        <p:spPr>
-          <a:xfrm>
-            <a:off x="7601882" y="2171700"/>
-            <a:ext cx="4446104" cy="3581400"/>
-          </a:xfrm>
-        </p:spPr>
-        <p:txBody>
-          <a:bodyPr/>
-          <a:lstStyle/>
-          <a:p>
-            <a:r>
-              <a:rPr lang="en-US" dirty="0"/>
-              <a:t>Users may create channels.</a:t>
-            </a:r>
-          </a:p>
-          <a:p>
-            <a:pPr marL="0" indent="0">
-              <a:buNone/>
-            </a:pPr>
-            <a:endParaRPr lang="en-US" dirty="0"/>
-          </a:p>
-          <a:p>
-            <a:r>
-              <a:rPr lang="en-US" dirty="0"/>
-              <a:t>Add and remove users from their channels.</a:t>
-            </a:r>
-          </a:p>
-        </p:txBody>
-      </p:sp>
     </p:spTree>
     <p:extLst>
       <p:ext uri="{BB962C8B-B14F-4D97-AF65-F5344CB8AC3E}">
-        <p14:creationId xmlns:p14="http://schemas.microsoft.com/office/powerpoint/2010/main" val="482945049"/>
+        <p14:creationId xmlns:p14="http://schemas.microsoft.com/office/powerpoint/2010/main" val="312246864"/>
       </p:ext>
     </p:extLst>
   </p:cSld>
@@ -7195,14 +7260,14 @@
           <a:p>
             <a:r>
               <a:rPr lang="en-US" dirty="0"/>
-              <a:t>Create Classes and groups!</a:t>
+              <a:t>Manage Chat Channels</a:t>
             </a:r>
           </a:p>
         </p:txBody>
       </p:sp>
       <p:pic>
         <p:nvPicPr>
-          <p:cNvPr id="6" name="Picture 5"/>
+          <p:cNvPr id="5" name="Picture 4"/>
           <p:cNvPicPr>
             <a:picLocks noChangeAspect="1"/>
           </p:cNvPicPr>
@@ -7216,18 +7281,57 @@
         </p:blipFill>
         <p:spPr>
           <a:xfrm>
-            <a:off x="1371600" y="1723994"/>
-            <a:ext cx="9019663" cy="4879615"/>
+            <a:off x="1488903" y="1428750"/>
+            <a:ext cx="5781675" cy="5181600"/>
           </a:xfrm>
           <a:prstGeom prst="rect">
             <a:avLst/>
           </a:prstGeom>
         </p:spPr>
       </p:pic>
+      <p:sp>
+        <p:nvSpPr>
+          <p:cNvPr id="6" name="Content Placeholder 2"/>
+          <p:cNvSpPr>
+            <a:spLocks noGrp="1"/>
+          </p:cNvSpPr>
+          <p:nvPr>
+            <p:ph idx="1"/>
+          </p:nvPr>
+        </p:nvSpPr>
+        <p:spPr>
+          <a:xfrm>
+            <a:off x="7601882" y="2171700"/>
+            <a:ext cx="4446104" cy="3581400"/>
+          </a:xfrm>
+        </p:spPr>
+        <p:txBody>
+          <a:bodyPr/>
+          <a:lstStyle/>
+          <a:p>
+            <a:r>
+              <a:rPr lang="en-US" dirty="0"/>
+              <a:t>Users may create channels.</a:t>
+            </a:r>
+          </a:p>
+          <a:p>
+            <a:pPr marL="0" indent="0">
+              <a:buNone/>
+            </a:pPr>
+            <a:endParaRPr lang="en-US" dirty="0"/>
+          </a:p>
+          <a:p>
+            <a:r>
+              <a:rPr lang="en-US" dirty="0"/>
+              <a:t>Add and remove users from their channels.</a:t>
+            </a:r>
+          </a:p>
+        </p:txBody>
+      </p:sp>
     </p:spTree>
     <p:extLst>
       <p:ext uri="{BB962C8B-B14F-4D97-AF65-F5344CB8AC3E}">
-        <p14:creationId xmlns:p14="http://schemas.microsoft.com/office/powerpoint/2010/main" val="927478623"/>
+        <p14:creationId xmlns:p14="http://schemas.microsoft.com/office/powerpoint/2010/main" val="482945049"/>
       </p:ext>
     </p:extLst>
   </p:cSld>
@@ -7264,26 +7368,21 @@
             <p:ph type="title"/>
           </p:nvPr>
         </p:nvSpPr>
-        <p:spPr>
-          <a:xfrm>
-            <a:off x="2102230" y="1255644"/>
-            <a:ext cx="9601200" cy="1485900"/>
-          </a:xfrm>
-        </p:spPr>
+        <p:spPr/>
         <p:txBody>
           <a:bodyPr/>
           <a:lstStyle/>
           <a:p>
             <a:r>
               <a:rPr lang="en-US" dirty="0"/>
-              <a:t>Create posts</a:t>
+              <a:t>Create Classes and groups!</a:t>
             </a:r>
           </a:p>
         </p:txBody>
       </p:sp>
       <p:pic>
         <p:nvPicPr>
-          <p:cNvPr id="5" name="Picture 4"/>
+          <p:cNvPr id="6" name="Picture 5"/>
           <p:cNvPicPr>
             <a:picLocks noChangeAspect="1"/>
           </p:cNvPicPr>
@@ -7297,106 +7396,18 @@
         </p:blipFill>
         <p:spPr>
           <a:xfrm>
-            <a:off x="7689369" y="341480"/>
-            <a:ext cx="3663776" cy="4324457"/>
+            <a:off x="1371600" y="1723994"/>
+            <a:ext cx="9019663" cy="4879615"/>
           </a:xfrm>
           <a:prstGeom prst="rect">
             <a:avLst/>
           </a:prstGeom>
-          <a:ln w="38100" cap="sq">
-            <a:solidFill>
-              <a:srgbClr val="000000"/>
-            </a:solidFill>
-            <a:prstDash val="solid"/>
-            <a:miter lim="800000"/>
-          </a:ln>
-          <a:effectLst>
-            <a:outerShdw blurRad="50800" dist="38100" dir="2700000" algn="tl" rotWithShape="0">
-              <a:srgbClr val="000000">
-                <a:alpha val="43000"/>
-              </a:srgbClr>
-            </a:outerShdw>
-          </a:effectLst>
         </p:spPr>
       </p:pic>
-      <p:pic>
-        <p:nvPicPr>
-          <p:cNvPr id="6" name="Picture 5"/>
-          <p:cNvPicPr>
-            <a:picLocks noChangeAspect="1"/>
-          </p:cNvPicPr>
-          <p:nvPr/>
-        </p:nvPicPr>
-        <p:blipFill>
-          <a:blip r:embed="rId3"/>
-          <a:stretch>
-            <a:fillRect/>
-          </a:stretch>
-        </p:blipFill>
-        <p:spPr>
-          <a:xfrm>
-            <a:off x="2102230" y="4978534"/>
-            <a:ext cx="7258050" cy="1714500"/>
-          </a:xfrm>
-          <a:prstGeom prst="rect">
-            <a:avLst/>
-          </a:prstGeom>
-          <a:ln w="38100" cap="sq">
-            <a:solidFill>
-              <a:srgbClr val="000000"/>
-            </a:solidFill>
-            <a:prstDash val="solid"/>
-            <a:miter lim="800000"/>
-          </a:ln>
-          <a:effectLst>
-            <a:outerShdw blurRad="50800" dist="38100" dir="2700000" algn="tl" rotWithShape="0">
-              <a:srgbClr val="000000">
-                <a:alpha val="43000"/>
-              </a:srgbClr>
-            </a:outerShdw>
-          </a:effectLst>
-        </p:spPr>
-      </p:pic>
-      <p:sp>
-        <p:nvSpPr>
-          <p:cNvPr id="7" name="Content Placeholder 2"/>
-          <p:cNvSpPr>
-            <a:spLocks noGrp="1"/>
-          </p:cNvSpPr>
-          <p:nvPr>
-            <p:ph idx="1"/>
-          </p:nvPr>
-        </p:nvSpPr>
-        <p:spPr>
-          <a:xfrm>
-            <a:off x="2102230" y="2389390"/>
-            <a:ext cx="4446104" cy="3581400"/>
-          </a:xfrm>
-        </p:spPr>
-        <p:txBody>
-          <a:bodyPr/>
-          <a:lstStyle/>
-          <a:p>
-            <a:r>
-              <a:rPr lang="en-US" dirty="0"/>
-              <a:t>Post to a group or class</a:t>
-            </a:r>
-          </a:p>
-          <a:p>
-            <a:endParaRPr lang="en-US" dirty="0"/>
-          </a:p>
-          <a:p>
-            <a:r>
-              <a:rPr lang="en-US" dirty="0"/>
-              <a:t>Comment on posts</a:t>
-            </a:r>
-          </a:p>
-        </p:txBody>
-      </p:sp>
     </p:spTree>
     <p:extLst>
       <p:ext uri="{BB962C8B-B14F-4D97-AF65-F5344CB8AC3E}">
-        <p14:creationId xmlns:p14="http://schemas.microsoft.com/office/powerpoint/2010/main" val="2264392480"/>
+        <p14:creationId xmlns:p14="http://schemas.microsoft.com/office/powerpoint/2010/main" val="927478623"/>
       </p:ext>
     </p:extLst>
   </p:cSld>
@@ -7433,41 +7444,23 @@
             <p:ph type="title"/>
           </p:nvPr>
         </p:nvSpPr>
-        <p:spPr/>
+        <p:spPr>
+          <a:xfrm>
+            <a:off x="2102230" y="1255644"/>
+            <a:ext cx="9601200" cy="1485900"/>
+          </a:xfrm>
+        </p:spPr>
         <p:txBody>
           <a:bodyPr/>
           <a:lstStyle/>
           <a:p>
             <a:r>
               <a:rPr lang="en-US" dirty="0"/>
-              <a:t>Manage classes and groups</a:t>
-            </a:r>
-          </a:p>
-        </p:txBody>
-      </p:sp>
-      <p:pic>
-        <p:nvPicPr>
-          <p:cNvPr id="4" name="Picture 3"/>
-          <p:cNvPicPr>
-            <a:picLocks noChangeAspect="1"/>
-          </p:cNvPicPr>
-          <p:nvPr/>
-        </p:nvPicPr>
-        <p:blipFill rotWithShape="1">
-          <a:blip r:embed="rId2"/>
-          <a:srcRect l="1207" r="4102" b="4956"/>
-          <a:stretch/>
-        </p:blipFill>
-        <p:spPr>
-          <a:xfrm>
-            <a:off x="6172200" y="1762539"/>
-            <a:ext cx="5542722" cy="4529593"/>
-          </a:xfrm>
-          <a:prstGeom prst="rect">
-            <a:avLst/>
-          </a:prstGeom>
-        </p:spPr>
-      </p:pic>
+              <a:t>Create posts</a:t>
+            </a:r>
+          </a:p>
+        </p:txBody>
+      </p:sp>
       <p:pic>
         <p:nvPicPr>
           <p:cNvPr id="5" name="Picture 4"/>
@@ -7476,25 +7469,114 @@
           </p:cNvPicPr>
           <p:nvPr/>
         </p:nvPicPr>
-        <p:blipFill rotWithShape="1">
-          <a:blip r:embed="rId3"/>
-          <a:srcRect l="3292" t="2404" r="609"/>
-          <a:stretch/>
+        <p:blipFill>
+          <a:blip r:embed="rId2"/>
+          <a:stretch>
+            <a:fillRect/>
+          </a:stretch>
         </p:blipFill>
         <p:spPr>
           <a:xfrm>
-            <a:off x="993913" y="1762539"/>
-            <a:ext cx="4625010" cy="4734390"/>
+            <a:off x="7689369" y="341480"/>
+            <a:ext cx="3663776" cy="4324457"/>
           </a:xfrm>
           <a:prstGeom prst="rect">
             <a:avLst/>
           </a:prstGeom>
+          <a:ln w="38100" cap="sq">
+            <a:solidFill>
+              <a:srgbClr val="000000"/>
+            </a:solidFill>
+            <a:prstDash val="solid"/>
+            <a:miter lim="800000"/>
+          </a:ln>
+          <a:effectLst>
+            <a:outerShdw blurRad="50800" dist="38100" dir="2700000" algn="tl" rotWithShape="0">
+              <a:srgbClr val="000000">
+                <a:alpha val="43000"/>
+              </a:srgbClr>
+            </a:outerShdw>
+          </a:effectLst>
         </p:spPr>
       </p:pic>
+      <p:pic>
+        <p:nvPicPr>
+          <p:cNvPr id="6" name="Picture 5"/>
+          <p:cNvPicPr>
+            <a:picLocks noChangeAspect="1"/>
+          </p:cNvPicPr>
+          <p:nvPr/>
+        </p:nvPicPr>
+        <p:blipFill>
+          <a:blip r:embed="rId3"/>
+          <a:stretch>
+            <a:fillRect/>
+          </a:stretch>
+        </p:blipFill>
+        <p:spPr>
+          <a:xfrm>
+            <a:off x="2102230" y="4978534"/>
+            <a:ext cx="7258050" cy="1714500"/>
+          </a:xfrm>
+          <a:prstGeom prst="rect">
+            <a:avLst/>
+          </a:prstGeom>
+          <a:ln w="38100" cap="sq">
+            <a:solidFill>
+              <a:srgbClr val="000000"/>
+            </a:solidFill>
+            <a:prstDash val="solid"/>
+            <a:miter lim="800000"/>
+          </a:ln>
+          <a:effectLst>
+            <a:outerShdw blurRad="50800" dist="38100" dir="2700000" algn="tl" rotWithShape="0">
+              <a:srgbClr val="000000">
+                <a:alpha val="43000"/>
+              </a:srgbClr>
+            </a:outerShdw>
+          </a:effectLst>
+        </p:spPr>
+      </p:pic>
+      <p:sp>
+        <p:nvSpPr>
+          <p:cNvPr id="7" name="Content Placeholder 2"/>
+          <p:cNvSpPr>
+            <a:spLocks noGrp="1"/>
+          </p:cNvSpPr>
+          <p:nvPr>
+            <p:ph idx="1"/>
+          </p:nvPr>
+        </p:nvSpPr>
+        <p:spPr>
+          <a:xfrm>
+            <a:off x="2102230" y="2389390"/>
+            <a:ext cx="4446104" cy="3581400"/>
+          </a:xfrm>
+        </p:spPr>
+        <p:txBody>
+          <a:bodyPr/>
+          <a:lstStyle/>
+          <a:p>
+            <a:r>
+              <a:rPr lang="en-US" dirty="0"/>
+              <a:t>Post to a group or class</a:t>
+            </a:r>
+          </a:p>
+          <a:p>
+            <a:endParaRPr lang="en-US" dirty="0"/>
+          </a:p>
+          <a:p>
+            <a:r>
+              <a:rPr lang="en-US" dirty="0"/>
+              <a:t>Comment on posts</a:t>
+            </a:r>
+          </a:p>
+        </p:txBody>
+      </p:sp>
     </p:spTree>
     <p:extLst>
       <p:ext uri="{BB962C8B-B14F-4D97-AF65-F5344CB8AC3E}">
-        <p14:creationId xmlns:p14="http://schemas.microsoft.com/office/powerpoint/2010/main" val="3044705609"/>
+        <p14:creationId xmlns:p14="http://schemas.microsoft.com/office/powerpoint/2010/main" val="2264392480"/>
       </p:ext>
     </p:extLst>
   </p:cSld>
@@ -7538,11 +7620,34 @@
           <a:p>
             <a:r>
               <a:rPr lang="en-US" dirty="0"/>
-              <a:t>Upload files to your group</a:t>
-            </a:r>
-          </a:p>
-        </p:txBody>
-      </p:sp>
+              <a:t>Manage classes and groups</a:t>
+            </a:r>
+          </a:p>
+        </p:txBody>
+      </p:sp>
+      <p:pic>
+        <p:nvPicPr>
+          <p:cNvPr id="4" name="Picture 3"/>
+          <p:cNvPicPr>
+            <a:picLocks noChangeAspect="1"/>
+          </p:cNvPicPr>
+          <p:nvPr/>
+        </p:nvPicPr>
+        <p:blipFill rotWithShape="1">
+          <a:blip r:embed="rId2"/>
+          <a:srcRect l="1207" r="4102" b="4956"/>
+          <a:stretch/>
+        </p:blipFill>
+        <p:spPr>
+          <a:xfrm>
+            <a:off x="6172200" y="1762539"/>
+            <a:ext cx="5542722" cy="4529593"/>
+          </a:xfrm>
+          <a:prstGeom prst="rect">
+            <a:avLst/>
+          </a:prstGeom>
+        </p:spPr>
+      </p:pic>
       <p:pic>
         <p:nvPicPr>
           <p:cNvPr id="5" name="Picture 4"/>
@@ -7551,16 +7656,15 @@
           </p:cNvPicPr>
           <p:nvPr/>
         </p:nvPicPr>
-        <p:blipFill>
-          <a:blip r:embed="rId2"/>
-          <a:stretch>
-            <a:fillRect/>
-          </a:stretch>
+        <p:blipFill rotWithShape="1">
+          <a:blip r:embed="rId3"/>
+          <a:srcRect l="3292" t="2404" r="609"/>
+          <a:stretch/>
         </p:blipFill>
         <p:spPr>
           <a:xfrm>
-            <a:off x="2452687" y="1919287"/>
-            <a:ext cx="7286625" cy="3019425"/>
+            <a:off x="993913" y="1762539"/>
+            <a:ext cx="4625010" cy="4734390"/>
           </a:xfrm>
           <a:prstGeom prst="rect">
             <a:avLst/>
@@ -7570,7 +7674,7 @@
     </p:spTree>
     <p:extLst>
       <p:ext uri="{BB962C8B-B14F-4D97-AF65-F5344CB8AC3E}">
-        <p14:creationId xmlns:p14="http://schemas.microsoft.com/office/powerpoint/2010/main" val="3272073037"/>
+        <p14:creationId xmlns:p14="http://schemas.microsoft.com/office/powerpoint/2010/main" val="3044705609"/>
       </p:ext>
     </p:extLst>
   </p:cSld>

--- a/Documentation/SOEN341_Group3.pptx
+++ b/Documentation/SOEN341_Group3.pptx
@@ -4056,7 +4056,7 @@
                 <a:latin typeface="Calibri Light" panose="020F0302020204030204" pitchFamily="34" charset="0"/>
                 <a:cs typeface="Calibri Light" panose="020F0302020204030204" pitchFamily="34" charset="0"/>
               </a:rPr>
-              <a:t>Ariles</a:t>
+              <a:t>Aghiles</a:t>
             </a:r>
             <a:r>
               <a:rPr lang="en-US" sz="2000" dirty="0">
@@ -4066,7 +4066,7 @@
               <a:t> </a:t>
             </a:r>
             <a:r>
-              <a:rPr lang="en-US" sz="2000" dirty="0" err="1" smtClean="0">
+              <a:rPr lang="en-US" sz="2000" dirty="0" err="1">
                 <a:latin typeface="Calibri Light" panose="020F0302020204030204" pitchFamily="34" charset="0"/>
                 <a:cs typeface="Calibri Light" panose="020F0302020204030204" pitchFamily="34" charset="0"/>
               </a:rPr>

--- a/Documentation/SOEN341_Group3.pptx
+++ b/Documentation/SOEN341_Group3.pptx
@@ -307,7 +307,7 @@
             <a:fld id="{B61BEF0D-F0BB-DE4B-95CE-6DB70DBA9567}" type="datetimeFigureOut">
               <a:rPr lang="en-US" smtClean="0"/>
               <a:pPr/>
-              <a:t>4/17/2017</a:t>
+              <a:t>4/18/2017</a:t>
             </a:fld>
             <a:endParaRPr lang="en-US" dirty="0"/>
           </a:p>
@@ -644,7 +644,7 @@
             <a:fld id="{B61BEF0D-F0BB-DE4B-95CE-6DB70DBA9567}" type="datetimeFigureOut">
               <a:rPr lang="en-US" smtClean="0"/>
               <a:pPr/>
-              <a:t>4/17/2017</a:t>
+              <a:t>4/18/2017</a:t>
             </a:fld>
             <a:endParaRPr lang="en-US" dirty="0"/>
           </a:p>
@@ -826,7 +826,7 @@
             <a:fld id="{B61BEF0D-F0BB-DE4B-95CE-6DB70DBA9567}" type="datetimeFigureOut">
               <a:rPr lang="en-US" smtClean="0"/>
               <a:pPr/>
-              <a:t>4/17/2017</a:t>
+              <a:t>4/18/2017</a:t>
             </a:fld>
             <a:endParaRPr lang="en-US" dirty="0"/>
           </a:p>
@@ -998,7 +998,7 @@
             <a:fld id="{B61BEF0D-F0BB-DE4B-95CE-6DB70DBA9567}" type="datetimeFigureOut">
               <a:rPr lang="en-US" smtClean="0"/>
               <a:pPr/>
-              <a:t>4/17/2017</a:t>
+              <a:t>4/18/2017</a:t>
             </a:fld>
             <a:endParaRPr lang="en-US" dirty="0"/>
           </a:p>
@@ -1277,7 +1277,7 @@
             <a:fld id="{B61BEF0D-F0BB-DE4B-95CE-6DB70DBA9567}" type="datetimeFigureOut">
               <a:rPr lang="en-US" smtClean="0"/>
               <a:pPr/>
-              <a:t>4/17/2017</a:t>
+              <a:t>4/18/2017</a:t>
             </a:fld>
             <a:endParaRPr lang="en-US" dirty="0"/>
           </a:p>
@@ -1673,7 +1673,7 @@
             <a:fld id="{B61BEF0D-F0BB-DE4B-95CE-6DB70DBA9567}" type="datetimeFigureOut">
               <a:rPr lang="en-US" smtClean="0"/>
               <a:pPr/>
-              <a:t>4/17/2017</a:t>
+              <a:t>4/18/2017</a:t>
             </a:fld>
             <a:endParaRPr lang="en-US" dirty="0"/>
           </a:p>
@@ -2152,7 +2152,7 @@
             <a:fld id="{B61BEF0D-F0BB-DE4B-95CE-6DB70DBA9567}" type="datetimeFigureOut">
               <a:rPr lang="en-US" smtClean="0"/>
               <a:pPr/>
-              <a:t>4/17/2017</a:t>
+              <a:t>4/18/2017</a:t>
             </a:fld>
             <a:endParaRPr lang="en-US" dirty="0"/>
           </a:p>
@@ -2272,7 +2272,7 @@
             <a:fld id="{B61BEF0D-F0BB-DE4B-95CE-6DB70DBA9567}" type="datetimeFigureOut">
               <a:rPr lang="en-US" smtClean="0"/>
               <a:pPr/>
-              <a:t>4/17/2017</a:t>
+              <a:t>4/18/2017</a:t>
             </a:fld>
             <a:endParaRPr lang="en-US" dirty="0"/>
           </a:p>
@@ -2369,7 +2369,7 @@
             <a:fld id="{B61BEF0D-F0BB-DE4B-95CE-6DB70DBA9567}" type="datetimeFigureOut">
               <a:rPr lang="en-US" smtClean="0"/>
               <a:pPr/>
-              <a:t>4/17/2017</a:t>
+              <a:t>4/18/2017</a:t>
             </a:fld>
             <a:endParaRPr lang="en-US" dirty="0"/>
           </a:p>
@@ -2722,7 +2722,7 @@
             <a:fld id="{B61BEF0D-F0BB-DE4B-95CE-6DB70DBA9567}" type="datetimeFigureOut">
               <a:rPr lang="en-US" smtClean="0"/>
               <a:pPr/>
-              <a:t>4/17/2017</a:t>
+              <a:t>4/18/2017</a:t>
             </a:fld>
             <a:endParaRPr lang="en-US" dirty="0"/>
           </a:p>
@@ -3117,7 +3117,7 @@
             <a:fld id="{B61BEF0D-F0BB-DE4B-95CE-6DB70DBA9567}" type="datetimeFigureOut">
               <a:rPr lang="en-US" smtClean="0"/>
               <a:pPr/>
-              <a:t>4/17/2017</a:t>
+              <a:t>4/18/2017</a:t>
             </a:fld>
             <a:endParaRPr lang="en-US" dirty="0"/>
           </a:p>
@@ -3397,7 +3397,7 @@
             <a:fld id="{B61BEF0D-F0BB-DE4B-95CE-6DB70DBA9567}" type="datetimeFigureOut">
               <a:rPr lang="en-US" smtClean="0"/>
               <a:pPr/>
-              <a:t>4/17/2017</a:t>
+              <a:t>4/18/2017</a:t>
             </a:fld>
             <a:endParaRPr lang="en-US" dirty="0"/>
           </a:p>
@@ -3996,7 +3996,7 @@
           </a:p>
           <a:p>
             <a:r>
-              <a:rPr lang="en-US" sz="2000" dirty="0" smtClean="0">
+              <a:rPr lang="en-US" sz="2000" dirty="0">
                 <a:latin typeface="Calibri Light" panose="020F0302020204030204" pitchFamily="34" charset="0"/>
                 <a:cs typeface="Calibri Light" panose="020F0302020204030204" pitchFamily="34" charset="0"/>
               </a:rPr>
@@ -4066,7 +4066,7 @@
               <a:t> </a:t>
             </a:r>
             <a:r>
-              <a:rPr lang="en-US" sz="2000" dirty="0" err="1" smtClean="0">
+              <a:rPr lang="en-US" sz="2000" dirty="0" err="1">
                 <a:latin typeface="Calibri Light" panose="020F0302020204030204" pitchFamily="34" charset="0"/>
                 <a:cs typeface="Calibri Light" panose="020F0302020204030204" pitchFamily="34" charset="0"/>
               </a:rPr>
@@ -4083,19 +4083,8 @@
                 <a:latin typeface="Calibri Light" panose="020F0302020204030204" pitchFamily="34" charset="0"/>
                 <a:cs typeface="Calibri Light" panose="020F0302020204030204" pitchFamily="34" charset="0"/>
               </a:rPr>
-              <a:t>Yousef </a:t>
-            </a:r>
-            <a:r>
-              <a:rPr lang="en-US" sz="2000" dirty="0" smtClean="0">
-                <a:latin typeface="Calibri Light" panose="020F0302020204030204" pitchFamily="34" charset="0"/>
-                <a:cs typeface="Calibri Light" panose="020F0302020204030204" pitchFamily="34" charset="0"/>
-              </a:rPr>
-              <a:t>Abo El Foul</a:t>
-            </a:r>
-            <a:endParaRPr lang="en-US" sz="2000" dirty="0">
-              <a:latin typeface="Calibri Light" panose="020F0302020204030204" pitchFamily="34" charset="0"/>
-              <a:cs typeface="Calibri Light" panose="020F0302020204030204" pitchFamily="34" charset="0"/>
-            </a:endParaRPr>
+              <a:t>Yousef Abo El Foul</a:t>
+            </a:r>
           </a:p>
         </p:txBody>
       </p:sp>
@@ -5185,10 +5174,6 @@
             <a:br>
               <a:rPr lang="en-US" dirty="0"/>
             </a:br>
-            <a:r>
-              <a:rPr lang="en-US" dirty="0"/>
-              <a:t/>
-            </a:r>
             <a:br>
               <a:rPr lang="en-US" dirty="0"/>
             </a:br>
@@ -5707,7 +5692,7 @@
               <a:t>What is </a:t>
             </a:r>
             <a:r>
-              <a:rPr lang="en-US" dirty="0" err="1" smtClean="0"/>
+              <a:rPr lang="en-US" dirty="0" err="1"/>
               <a:t>GitClass</a:t>
             </a:r>
             <a:r>
@@ -7097,16 +7082,15 @@
           <a:lstStyle/>
           <a:p>
             <a:r>
-              <a:rPr lang="en-US" sz="4400" dirty="0" smtClean="0"/>
+              <a:rPr lang="en-US" sz="4400" dirty="0"/>
               <a:t>GitHub Statistics</a:t>
             </a:r>
           </a:p>
           <a:p>
             <a:r>
-              <a:rPr lang="en-US" sz="2400" dirty="0" smtClean="0"/>
+              <a:rPr lang="en-US" sz="2400" dirty="0"/>
               <a:t>Chart generated using Plot.ly library</a:t>
             </a:r>
-            <a:endParaRPr lang="en-US" sz="2400" dirty="0"/>
           </a:p>
         </p:txBody>
       </p:sp>
@@ -7396,8 +7380,8 @@
         </p:blipFill>
         <p:spPr>
           <a:xfrm>
-            <a:off x="1371600" y="1723994"/>
-            <a:ext cx="9019663" cy="4879615"/>
+            <a:off x="1397917" y="1723994"/>
+            <a:ext cx="8967029" cy="4879615"/>
           </a:xfrm>
           <a:prstGeom prst="rect">
             <a:avLst/>
